--- a/pre-research/Pdf_malware_detection.pptx
+++ b/pre-research/Pdf_malware_detection.pptx
@@ -16,9 +16,14 @@
     <p:sldId id="277" r:id="rId10"/>
     <p:sldId id="278" r:id="rId11"/>
     <p:sldId id="266" r:id="rId12"/>
-    <p:sldId id="264" r:id="rId13"/>
-    <p:sldId id="271" r:id="rId14"/>
-    <p:sldId id="267" r:id="rId15"/>
+    <p:sldId id="279" r:id="rId13"/>
+    <p:sldId id="281" r:id="rId14"/>
+    <p:sldId id="280" r:id="rId15"/>
+    <p:sldId id="264" r:id="rId16"/>
+    <p:sldId id="283" r:id="rId17"/>
+    <p:sldId id="282" r:id="rId18"/>
+    <p:sldId id="271" r:id="rId19"/>
+    <p:sldId id="267" r:id="rId20"/>
   </p:sldIdLst>
   <p:sldSz cx="12192000" cy="6858000"/>
   <p:notesSz cx="6858000" cy="9144000"/>
@@ -3279,7 +3284,7 @@
           <a:p>
             <a:fld id="{A7DA6DA2-865B-4014-AEFA-C316A63C6A60}" type="datetimeFigureOut">
               <a:rPr lang="en-IL" smtClean="0"/>
-              <a:t>02/17/2023</a:t>
+              <a:t>02/21/2023</a:t>
             </a:fld>
             <a:endParaRPr lang="en-IL"/>
           </a:p>
@@ -3479,7 +3484,7 @@
           <a:p>
             <a:fld id="{A7DA6DA2-865B-4014-AEFA-C316A63C6A60}" type="datetimeFigureOut">
               <a:rPr lang="en-IL" smtClean="0"/>
-              <a:t>02/17/2023</a:t>
+              <a:t>02/21/2023</a:t>
             </a:fld>
             <a:endParaRPr lang="en-IL"/>
           </a:p>
@@ -3689,7 +3694,7 @@
           <a:p>
             <a:fld id="{A7DA6DA2-865B-4014-AEFA-C316A63C6A60}" type="datetimeFigureOut">
               <a:rPr lang="en-IL" smtClean="0"/>
-              <a:t>02/17/2023</a:t>
+              <a:t>02/21/2023</a:t>
             </a:fld>
             <a:endParaRPr lang="en-IL"/>
           </a:p>
@@ -3889,7 +3894,7 @@
           <a:p>
             <a:fld id="{A7DA6DA2-865B-4014-AEFA-C316A63C6A60}" type="datetimeFigureOut">
               <a:rPr lang="en-IL" smtClean="0"/>
-              <a:t>02/17/2023</a:t>
+              <a:t>02/21/2023</a:t>
             </a:fld>
             <a:endParaRPr lang="en-IL"/>
           </a:p>
@@ -4165,7 +4170,7 @@
           <a:p>
             <a:fld id="{A7DA6DA2-865B-4014-AEFA-C316A63C6A60}" type="datetimeFigureOut">
               <a:rPr lang="en-IL" smtClean="0"/>
-              <a:t>02/17/2023</a:t>
+              <a:t>02/21/2023</a:t>
             </a:fld>
             <a:endParaRPr lang="en-IL"/>
           </a:p>
@@ -4433,7 +4438,7 @@
           <a:p>
             <a:fld id="{A7DA6DA2-865B-4014-AEFA-C316A63C6A60}" type="datetimeFigureOut">
               <a:rPr lang="en-IL" smtClean="0"/>
-              <a:t>02/17/2023</a:t>
+              <a:t>02/21/2023</a:t>
             </a:fld>
             <a:endParaRPr lang="en-IL"/>
           </a:p>
@@ -4848,7 +4853,7 @@
           <a:p>
             <a:fld id="{A7DA6DA2-865B-4014-AEFA-C316A63C6A60}" type="datetimeFigureOut">
               <a:rPr lang="en-IL" smtClean="0"/>
-              <a:t>02/17/2023</a:t>
+              <a:t>02/21/2023</a:t>
             </a:fld>
             <a:endParaRPr lang="en-IL"/>
           </a:p>
@@ -4990,7 +4995,7 @@
           <a:p>
             <a:fld id="{A7DA6DA2-865B-4014-AEFA-C316A63C6A60}" type="datetimeFigureOut">
               <a:rPr lang="en-IL" smtClean="0"/>
-              <a:t>02/17/2023</a:t>
+              <a:t>02/21/2023</a:t>
             </a:fld>
             <a:endParaRPr lang="en-IL"/>
           </a:p>
@@ -5103,7 +5108,7 @@
           <a:p>
             <a:fld id="{A7DA6DA2-865B-4014-AEFA-C316A63C6A60}" type="datetimeFigureOut">
               <a:rPr lang="en-IL" smtClean="0"/>
-              <a:t>02/17/2023</a:t>
+              <a:t>02/21/2023</a:t>
             </a:fld>
             <a:endParaRPr lang="en-IL"/>
           </a:p>
@@ -5416,7 +5421,7 @@
           <a:p>
             <a:fld id="{A7DA6DA2-865B-4014-AEFA-C316A63C6A60}" type="datetimeFigureOut">
               <a:rPr lang="en-IL" smtClean="0"/>
-              <a:t>02/17/2023</a:t>
+              <a:t>02/21/2023</a:t>
             </a:fld>
             <a:endParaRPr lang="en-IL"/>
           </a:p>
@@ -5705,7 +5710,7 @@
           <a:p>
             <a:fld id="{A7DA6DA2-865B-4014-AEFA-C316A63C6A60}" type="datetimeFigureOut">
               <a:rPr lang="en-IL" smtClean="0"/>
-              <a:t>02/17/2023</a:t>
+              <a:t>02/21/2023</a:t>
             </a:fld>
             <a:endParaRPr lang="en-IL"/>
           </a:p>
@@ -5948,7 +5953,7 @@
           <a:p>
             <a:fld id="{A7DA6DA2-865B-4014-AEFA-C316A63C6A60}" type="datetimeFigureOut">
               <a:rPr lang="en-IL" smtClean="0"/>
-              <a:t>02/17/2023</a:t>
+              <a:t>02/21/2023</a:t>
             </a:fld>
             <a:endParaRPr lang="en-IL"/>
           </a:p>
@@ -6511,8 +6516,17 @@
           <a:p>
             <a:r>
               <a:rPr lang="en-US" dirty="0"/>
-              <a:t>Link to Git: https://github.com/ohad1s/PDF_malware_detection</a:t>
-            </a:r>
+              <a:t>Link to Git: </a:t>
+            </a:r>
+            <a:r>
+              <a:rPr lang="en-US" dirty="0">
+                <a:hlinkClick r:id="rId2"/>
+              </a:rPr>
+              <a:t>https://github.com/ohad1s/PDF_malware_detection</a:t>
+            </a:r>
+            <a:br>
+              <a:rPr lang="en-US" dirty="0"/>
+            </a:br>
             <a:endParaRPr lang="en-IL" dirty="0"/>
           </a:p>
         </p:txBody>
@@ -7361,7 +7375,7 @@
           <p:nvPr/>
         </p:nvPicPr>
         <p:blipFill rotWithShape="1">
-          <a:blip r:embed="rId2">
+          <a:blip r:embed="rId3">
             <a:extLst>
               <a:ext uri="{28A0092B-C50C-407E-A947-70E740481C1C}">
                 <a14:useLocalDpi xmlns:a14="http://schemas.microsoft.com/office/drawing/2010/main" val="0"/>
@@ -7888,8 +7902,8 @@
         </p:nvSpPr>
         <p:spPr>
           <a:xfrm>
-            <a:off x="682557" y="199755"/>
-            <a:ext cx="10515600" cy="1325563"/>
+            <a:off x="4004877" y="2658475"/>
+            <a:ext cx="3930083" cy="1325563"/>
           </a:xfrm>
         </p:spPr>
         <p:txBody>
@@ -7904,52 +7918,10 @@
           </a:p>
         </p:txBody>
       </p:sp>
-      <p:sp>
-        <p:nvSpPr>
-          <p:cNvPr id="3" name="Content Placeholder 2">
-            <a:extLst>
-              <a:ext uri="{FF2B5EF4-FFF2-40B4-BE49-F238E27FC236}">
-                <a16:creationId xmlns:a16="http://schemas.microsoft.com/office/drawing/2014/main" id="{DF1B41CE-F356-10BB-4F85-1C88FEA99E17}"/>
-              </a:ext>
-            </a:extLst>
-          </p:cNvPr>
-          <p:cNvSpPr>
-            <a:spLocks noGrp="1"/>
-          </p:cNvSpPr>
-          <p:nvPr>
-            <p:ph idx="1"/>
-          </p:nvPr>
-        </p:nvSpPr>
-        <p:spPr>
-          <a:xfrm>
-            <a:off x="507460" y="1253331"/>
-            <a:ext cx="10515600" cy="4351338"/>
-          </a:xfrm>
-        </p:spPr>
-        <p:txBody>
-          <a:bodyPr/>
-          <a:lstStyle/>
-          <a:p>
-            <a:pPr marL="0" indent="0">
-              <a:buNone/>
-            </a:pPr>
-            <a:endParaRPr lang="en-US" dirty="0"/>
-          </a:p>
-          <a:p>
-            <a:endParaRPr lang="en-US" dirty="0"/>
-          </a:p>
-          <a:p>
-            <a:endParaRPr lang="en-US" dirty="0"/>
-          </a:p>
-          <a:p>
-            <a:endParaRPr lang="en-IL" dirty="0"/>
-          </a:p>
-        </p:txBody>
-      </p:sp>
     </p:spTree>
     <p:extLst>
       <p:ext uri="{BB962C8B-B14F-4D97-AF65-F5344CB8AC3E}">
-        <p14:creationId xmlns:p14="http://schemas.microsoft.com/office/powerpoint/2010/main" val="74098386"/>
+        <p14:creationId xmlns:p14="http://schemas.microsoft.com/office/powerpoint/2010/main" val="1416462619"/>
       </p:ext>
     </p:extLst>
   </p:cSld>
@@ -7981,7 +7953,7 @@
           <p:cNvPr id="2" name="Title 1">
             <a:extLst>
               <a:ext uri="{FF2B5EF4-FFF2-40B4-BE49-F238E27FC236}">
-                <a16:creationId xmlns:a16="http://schemas.microsoft.com/office/drawing/2014/main" id="{48F92FBE-5F9A-61A9-B2EA-ABD72717E2E9}"/>
+                <a16:creationId xmlns:a16="http://schemas.microsoft.com/office/drawing/2014/main" id="{5C841878-47A7-535C-D519-7CB0A3B4B679}"/>
               </a:ext>
             </a:extLst>
           </p:cNvPr>
@@ -7992,14 +7964,19 @@
             <p:ph type="title"/>
           </p:nvPr>
         </p:nvSpPr>
-        <p:spPr/>
+        <p:spPr>
+          <a:xfrm>
+            <a:off x="682557" y="0"/>
+            <a:ext cx="10515600" cy="1325563"/>
+          </a:xfrm>
+        </p:spPr>
         <p:txBody>
           <a:bodyPr/>
           <a:lstStyle/>
           <a:p>
             <a:r>
-              <a:rPr lang="en-US" dirty="0"/>
-              <a:t>Discussion – Algorithms</a:t>
+              <a:rPr lang="es-ES" dirty="0"/>
+              <a:t>Jose Torres and Sergio De Los Santos- Madrid </a:t>
             </a:r>
             <a:endParaRPr lang="en-IL" dirty="0"/>
           </a:p>
@@ -8010,7 +7987,7 @@
           <p:cNvPr id="3" name="Content Placeholder 2">
             <a:extLst>
               <a:ext uri="{FF2B5EF4-FFF2-40B4-BE49-F238E27FC236}">
-                <a16:creationId xmlns:a16="http://schemas.microsoft.com/office/drawing/2014/main" id="{BDF399E2-085D-D3B4-577B-45FC2D859120}"/>
+                <a16:creationId xmlns:a16="http://schemas.microsoft.com/office/drawing/2014/main" id="{DF1B41CE-F356-10BB-4F85-1C88FEA99E17}"/>
               </a:ext>
             </a:extLst>
           </p:cNvPr>
@@ -8021,45 +7998,128 @@
             <p:ph idx="1"/>
           </p:nvPr>
         </p:nvSpPr>
-        <p:spPr/>
+        <p:spPr>
+          <a:xfrm>
+            <a:off x="507460" y="1253330"/>
+            <a:ext cx="10515600" cy="5452270"/>
+          </a:xfrm>
+        </p:spPr>
         <p:txBody>
           <a:bodyPr>
-            <a:normAutofit/>
+            <a:normAutofit fontScale="92500" lnSpcReduction="10000"/>
           </a:bodyPr>
           <a:lstStyle/>
           <a:p>
             <a:r>
-              <a:rPr lang="en-US" i="0" dirty="0">
-                <a:effectLst/>
-                <a:latin typeface="Söhne"/>
+              <a:rPr lang="en-US" dirty="0"/>
+              <a:t>In their study, they took a relatively small data set (1712 samples) and divided it into 3 - training, test and validation.</a:t>
+            </a:r>
+          </a:p>
+          <a:p>
+            <a:r>
+              <a:rPr lang="en-US" dirty="0"/>
+              <a:t>By trying several different algorithms, they finally chose SVM Random Forest and Neural Network.</a:t>
+            </a:r>
+          </a:p>
+          <a:p>
+            <a:r>
+              <a:rPr lang="en-US" dirty="0"/>
+              <a:t>Finally, they presented their results in a comparison of test table and validation table:</a:t>
+            </a:r>
+          </a:p>
+          <a:p>
+            <a:endParaRPr lang="en-US" dirty="0"/>
+          </a:p>
+          <a:p>
+            <a:endParaRPr lang="en-US" dirty="0"/>
+          </a:p>
+          <a:p>
+            <a:endParaRPr lang="en-US" dirty="0"/>
+          </a:p>
+          <a:p>
+            <a:endParaRPr lang="en-US" dirty="0"/>
+          </a:p>
+          <a:p>
+            <a:endParaRPr lang="en-US" dirty="0"/>
+          </a:p>
+          <a:p>
+            <a:r>
+              <a:rPr lang="en-US" dirty="0">
+                <a:hlinkClick r:id="rId2"/>
               </a:rPr>
-              <a:t>word2vec ??</a:t>
-            </a:r>
-          </a:p>
-          <a:p>
-            <a:r>
-              <a:rPr lang="en-US" b="0" i="0" dirty="0">
-                <a:effectLst/>
-                <a:latin typeface="Söhne"/>
-              </a:rPr>
-              <a:t>Pca ??</a:t>
-            </a:r>
-          </a:p>
-          <a:p>
-            <a:r>
-              <a:rPr lang="en-US" dirty="0" err="1">
-                <a:latin typeface="Söhne"/>
-              </a:rPr>
-              <a:t>adaboost</a:t>
-            </a:r>
-            <a:endParaRPr lang="en-IL" dirty="0"/>
+              <a:t>https://www.scitepress.org/papers/2018/66095/66095.pdf</a:t>
+            </a:r>
+            <a:br>
+              <a:rPr lang="en-US" dirty="0"/>
+            </a:br>
+            <a:endParaRPr lang="en-US" dirty="0"/>
           </a:p>
         </p:txBody>
       </p:sp>
+      <p:pic>
+        <p:nvPicPr>
+          <p:cNvPr id="5" name="תמונה 4">
+            <a:extLst>
+              <a:ext uri="{FF2B5EF4-FFF2-40B4-BE49-F238E27FC236}">
+                <a16:creationId xmlns:a16="http://schemas.microsoft.com/office/drawing/2014/main" id="{E56EA705-08AD-7E66-E3B6-F855A83AB4DF}"/>
+              </a:ext>
+            </a:extLst>
+          </p:cNvPr>
+          <p:cNvPicPr>
+            <a:picLocks noChangeAspect="1"/>
+          </p:cNvPicPr>
+          <p:nvPr/>
+        </p:nvPicPr>
+        <p:blipFill>
+          <a:blip r:embed="rId3"/>
+          <a:stretch>
+            <a:fillRect/>
+          </a:stretch>
+        </p:blipFill>
+        <p:spPr>
+          <a:xfrm>
+            <a:off x="6269257" y="3908802"/>
+            <a:ext cx="4668573" cy="1572443"/>
+          </a:xfrm>
+          <a:prstGeom prst="rect">
+            <a:avLst/>
+          </a:prstGeom>
+        </p:spPr>
+      </p:pic>
+      <p:pic>
+        <p:nvPicPr>
+          <p:cNvPr id="7" name="תמונה 6">
+            <a:extLst>
+              <a:ext uri="{FF2B5EF4-FFF2-40B4-BE49-F238E27FC236}">
+                <a16:creationId xmlns:a16="http://schemas.microsoft.com/office/drawing/2014/main" id="{F7D4A336-DDA9-77AB-C4AB-6D6002A33ABB}"/>
+              </a:ext>
+            </a:extLst>
+          </p:cNvPr>
+          <p:cNvPicPr>
+            <a:picLocks noChangeAspect="1"/>
+          </p:cNvPicPr>
+          <p:nvPr/>
+        </p:nvPicPr>
+        <p:blipFill>
+          <a:blip r:embed="rId4"/>
+          <a:stretch>
+            <a:fillRect/>
+          </a:stretch>
+        </p:blipFill>
+        <p:spPr>
+          <a:xfrm>
+            <a:off x="1168940" y="3979465"/>
+            <a:ext cx="4753805" cy="1431119"/>
+          </a:xfrm>
+          <a:prstGeom prst="rect">
+            <a:avLst/>
+          </a:prstGeom>
+        </p:spPr>
+      </p:pic>
     </p:spTree>
     <p:extLst>
       <p:ext uri="{BB962C8B-B14F-4D97-AF65-F5344CB8AC3E}">
-        <p14:creationId xmlns:p14="http://schemas.microsoft.com/office/powerpoint/2010/main" val="203945432"/>
+        <p14:creationId xmlns:p14="http://schemas.microsoft.com/office/powerpoint/2010/main" val="497037640"/>
       </p:ext>
     </p:extLst>
   </p:cSld>
@@ -8091,6 +8151,703 @@
           <p:cNvPr id="2" name="Title 1">
             <a:extLst>
               <a:ext uri="{FF2B5EF4-FFF2-40B4-BE49-F238E27FC236}">
+                <a16:creationId xmlns:a16="http://schemas.microsoft.com/office/drawing/2014/main" id="{5C841878-47A7-535C-D519-7CB0A3B4B679}"/>
+              </a:ext>
+            </a:extLst>
+          </p:cNvPr>
+          <p:cNvSpPr>
+            <a:spLocks noGrp="1"/>
+          </p:cNvSpPr>
+          <p:nvPr>
+            <p:ph type="title"/>
+          </p:nvPr>
+        </p:nvSpPr>
+        <p:spPr>
+          <a:xfrm>
+            <a:off x="483518" y="77835"/>
+            <a:ext cx="11224963" cy="1325563"/>
+          </a:xfrm>
+        </p:spPr>
+        <p:txBody>
+          <a:bodyPr/>
+          <a:lstStyle/>
+          <a:p>
+            <a:r>
+              <a:rPr lang="fr-FR" dirty="0"/>
+              <a:t>Bonan Cuan, Aliénor Damien, Claire Delaplace, Mathieu Valois – HAL, France</a:t>
+            </a:r>
+            <a:endParaRPr lang="en-IL" dirty="0"/>
+          </a:p>
+        </p:txBody>
+      </p:sp>
+      <p:sp>
+        <p:nvSpPr>
+          <p:cNvPr id="3" name="Content Placeholder 2">
+            <a:extLst>
+              <a:ext uri="{FF2B5EF4-FFF2-40B4-BE49-F238E27FC236}">
+                <a16:creationId xmlns:a16="http://schemas.microsoft.com/office/drawing/2014/main" id="{DF1B41CE-F356-10BB-4F85-1C88FEA99E17}"/>
+              </a:ext>
+            </a:extLst>
+          </p:cNvPr>
+          <p:cNvSpPr>
+            <a:spLocks noGrp="1"/>
+          </p:cNvSpPr>
+          <p:nvPr>
+            <p:ph idx="1"/>
+          </p:nvPr>
+        </p:nvSpPr>
+        <p:spPr>
+          <a:xfrm>
+            <a:off x="483518" y="1403398"/>
+            <a:ext cx="10515600" cy="5005229"/>
+          </a:xfrm>
+        </p:spPr>
+        <p:txBody>
+          <a:bodyPr/>
+          <a:lstStyle/>
+          <a:p>
+            <a:r>
+              <a:rPr lang="en-US" dirty="0"/>
+              <a:t>In this study they used a data set of 8070 samples and divided it in the ratio 80:20 between training and test.</a:t>
+            </a:r>
+          </a:p>
+          <a:p>
+            <a:r>
+              <a:rPr lang="en-US" dirty="0"/>
+              <a:t>In addition, the pdfid library was used to extract the features and the SVM algorithm was used for machine learning.</a:t>
+            </a:r>
+          </a:p>
+          <a:p>
+            <a:r>
+              <a:rPr lang="en-US" dirty="0"/>
+              <a:t>They also added 2 algorithms of their own - one to extract additional features and the other to reduce the features that were found to be irrelevant - the goal is to discover as many malicious files as possible</a:t>
+            </a:r>
+          </a:p>
+          <a:p>
+            <a:r>
+              <a:rPr lang="en-US" dirty="0"/>
+              <a:t>Finally, they presented the results in an accuracy measure, compared according to the number of features extracted:</a:t>
+            </a:r>
+          </a:p>
+          <a:p>
+            <a:r>
+              <a:rPr lang="en-US" sz="1800" dirty="0">
+                <a:hlinkClick r:id="rId2"/>
+              </a:rPr>
+              <a:t>https://hal.science/hal-01704766/document</a:t>
+            </a:r>
+            <a:br>
+              <a:rPr lang="en-US" dirty="0"/>
+            </a:br>
+            <a:endParaRPr lang="en-US" dirty="0"/>
+          </a:p>
+        </p:txBody>
+      </p:sp>
+      <p:pic>
+        <p:nvPicPr>
+          <p:cNvPr id="5" name="תמונה 4">
+            <a:extLst>
+              <a:ext uri="{FF2B5EF4-FFF2-40B4-BE49-F238E27FC236}">
+                <a16:creationId xmlns:a16="http://schemas.microsoft.com/office/drawing/2014/main" id="{1BD920EF-80AC-D1F8-7DFE-8E37968F2726}"/>
+              </a:ext>
+            </a:extLst>
+          </p:cNvPr>
+          <p:cNvPicPr>
+            <a:picLocks noChangeAspect="1"/>
+          </p:cNvPicPr>
+          <p:nvPr/>
+        </p:nvPicPr>
+        <p:blipFill>
+          <a:blip r:embed="rId3"/>
+          <a:stretch>
+            <a:fillRect/>
+          </a:stretch>
+        </p:blipFill>
+        <p:spPr>
+          <a:xfrm>
+            <a:off x="5872480" y="5244284"/>
+            <a:ext cx="6319520" cy="1613716"/>
+          </a:xfrm>
+          <a:prstGeom prst="rect">
+            <a:avLst/>
+          </a:prstGeom>
+        </p:spPr>
+      </p:pic>
+    </p:spTree>
+    <p:extLst>
+      <p:ext uri="{BB962C8B-B14F-4D97-AF65-F5344CB8AC3E}">
+        <p14:creationId xmlns:p14="http://schemas.microsoft.com/office/powerpoint/2010/main" val="3866449757"/>
+      </p:ext>
+    </p:extLst>
+  </p:cSld>
+  <p:clrMapOvr>
+    <a:masterClrMapping/>
+  </p:clrMapOvr>
+</p:sld>
+</file>
+
+<file path=ppt/slides/slide15.xml><?xml version="1.0" encoding="utf-8"?>
+<p:sld xmlns:a="http://schemas.openxmlformats.org/drawingml/2006/main" xmlns:r="http://schemas.openxmlformats.org/officeDocument/2006/relationships" xmlns:p="http://schemas.openxmlformats.org/presentationml/2006/main">
+  <p:cSld>
+    <p:spTree>
+      <p:nvGrpSpPr>
+        <p:cNvPr id="1" name=""/>
+        <p:cNvGrpSpPr/>
+        <p:nvPr/>
+      </p:nvGrpSpPr>
+      <p:grpSpPr>
+        <a:xfrm>
+          <a:off x="0" y="0"/>
+          <a:ext cx="0" cy="0"/>
+          <a:chOff x="0" y="0"/>
+          <a:chExt cx="0" cy="0"/>
+        </a:xfrm>
+      </p:grpSpPr>
+      <p:sp>
+        <p:nvSpPr>
+          <p:cNvPr id="2" name="Title 1">
+            <a:extLst>
+              <a:ext uri="{FF2B5EF4-FFF2-40B4-BE49-F238E27FC236}">
+                <a16:creationId xmlns:a16="http://schemas.microsoft.com/office/drawing/2014/main" id="{5C841878-47A7-535C-D519-7CB0A3B4B679}"/>
+              </a:ext>
+            </a:extLst>
+          </p:cNvPr>
+          <p:cNvSpPr>
+            <a:spLocks noGrp="1"/>
+          </p:cNvSpPr>
+          <p:nvPr>
+            <p:ph type="title"/>
+          </p:nvPr>
+        </p:nvSpPr>
+        <p:spPr>
+          <a:xfrm>
+            <a:off x="132081" y="10160"/>
+            <a:ext cx="12059919" cy="1325563"/>
+          </a:xfrm>
+        </p:spPr>
+        <p:txBody>
+          <a:bodyPr>
+            <a:normAutofit/>
+          </a:bodyPr>
+          <a:lstStyle/>
+          <a:p>
+            <a:pPr algn="l"/>
+            <a:r>
+              <a:rPr lang="en-US" dirty="0"/>
+              <a:t>PDF Malware Detection Based on Optimizable Decision Trees- Jordan</a:t>
+            </a:r>
+            <a:endParaRPr lang="en-US" b="0" i="0" dirty="0">
+              <a:solidFill>
+                <a:srgbClr val="000000"/>
+              </a:solidFill>
+              <a:effectLst/>
+            </a:endParaRPr>
+          </a:p>
+        </p:txBody>
+      </p:sp>
+      <p:sp>
+        <p:nvSpPr>
+          <p:cNvPr id="3" name="Content Placeholder 2">
+            <a:extLst>
+              <a:ext uri="{FF2B5EF4-FFF2-40B4-BE49-F238E27FC236}">
+                <a16:creationId xmlns:a16="http://schemas.microsoft.com/office/drawing/2014/main" id="{DF1B41CE-F356-10BB-4F85-1C88FEA99E17}"/>
+              </a:ext>
+            </a:extLst>
+          </p:cNvPr>
+          <p:cNvSpPr>
+            <a:spLocks noGrp="1"/>
+          </p:cNvSpPr>
+          <p:nvPr>
+            <p:ph idx="1"/>
+          </p:nvPr>
+        </p:nvSpPr>
+        <p:spPr>
+          <a:xfrm>
+            <a:off x="507460" y="1253330"/>
+            <a:ext cx="10515600" cy="5005229"/>
+          </a:xfrm>
+        </p:spPr>
+        <p:txBody>
+          <a:bodyPr/>
+          <a:lstStyle/>
+          <a:p>
+            <a:pPr marL="0" indent="0">
+              <a:buNone/>
+            </a:pPr>
+            <a:endParaRPr lang="en-US" dirty="0"/>
+          </a:p>
+          <a:p>
+            <a:endParaRPr lang="en-US" dirty="0"/>
+          </a:p>
+          <a:p>
+            <a:endParaRPr lang="en-IL" dirty="0"/>
+          </a:p>
+        </p:txBody>
+      </p:sp>
+      <p:pic>
+        <p:nvPicPr>
+          <p:cNvPr id="6" name="תמונה 5">
+            <a:extLst>
+              <a:ext uri="{FF2B5EF4-FFF2-40B4-BE49-F238E27FC236}">
+                <a16:creationId xmlns:a16="http://schemas.microsoft.com/office/drawing/2014/main" id="{2C89853B-72D0-743A-990E-90BF26B67EED}"/>
+              </a:ext>
+            </a:extLst>
+          </p:cNvPr>
+          <p:cNvPicPr>
+            <a:picLocks noChangeAspect="1"/>
+          </p:cNvPicPr>
+          <p:nvPr/>
+        </p:nvPicPr>
+        <p:blipFill>
+          <a:blip r:embed="rId2"/>
+          <a:stretch>
+            <a:fillRect/>
+          </a:stretch>
+        </p:blipFill>
+        <p:spPr>
+          <a:xfrm>
+            <a:off x="3498668" y="3608418"/>
+            <a:ext cx="7524392" cy="1916829"/>
+          </a:xfrm>
+          <a:prstGeom prst="rect">
+            <a:avLst/>
+          </a:prstGeom>
+        </p:spPr>
+      </p:pic>
+      <p:sp>
+        <p:nvSpPr>
+          <p:cNvPr id="7" name="Content Placeholder 2">
+            <a:extLst>
+              <a:ext uri="{FF2B5EF4-FFF2-40B4-BE49-F238E27FC236}">
+                <a16:creationId xmlns:a16="http://schemas.microsoft.com/office/drawing/2014/main" id="{1745ADEF-C1F7-1383-3AE2-44662730CBFE}"/>
+              </a:ext>
+            </a:extLst>
+          </p:cNvPr>
+          <p:cNvSpPr txBox="1">
+            <a:spLocks/>
+          </p:cNvSpPr>
+          <p:nvPr/>
+        </p:nvSpPr>
+        <p:spPr>
+          <a:xfrm>
+            <a:off x="483518" y="1403398"/>
+            <a:ext cx="10563484" cy="5005229"/>
+          </a:xfrm>
+          <a:prstGeom prst="rect">
+            <a:avLst/>
+          </a:prstGeom>
+        </p:spPr>
+        <p:txBody>
+          <a:bodyPr vert="horz" lIns="91440" tIns="45720" rIns="91440" bIns="45720" rtlCol="0">
+            <a:normAutofit fontScale="92500" lnSpcReduction="10000"/>
+          </a:bodyPr>
+          <a:lstStyle>
+            <a:lvl1pPr marL="228600" indent="-228600" algn="l" defTabSz="914400" rtl="0" eaLnBrk="1" latinLnBrk="0" hangingPunct="1">
+              <a:lnSpc>
+                <a:spcPct val="90000"/>
+              </a:lnSpc>
+              <a:spcBef>
+                <a:spcPts val="1000"/>
+              </a:spcBef>
+              <a:buFont typeface="Arial" panose="020B0604020202020204" pitchFamily="34" charset="0"/>
+              <a:buChar char="•"/>
+              <a:defRPr sz="2800" kern="1200">
+                <a:solidFill>
+                  <a:schemeClr val="tx1"/>
+                </a:solidFill>
+                <a:latin typeface="+mn-lt"/>
+                <a:ea typeface="+mn-ea"/>
+                <a:cs typeface="+mn-cs"/>
+              </a:defRPr>
+            </a:lvl1pPr>
+            <a:lvl2pPr marL="685800" indent="-228600" algn="l" defTabSz="914400" rtl="0" eaLnBrk="1" latinLnBrk="0" hangingPunct="1">
+              <a:lnSpc>
+                <a:spcPct val="90000"/>
+              </a:lnSpc>
+              <a:spcBef>
+                <a:spcPts val="500"/>
+              </a:spcBef>
+              <a:buFont typeface="Arial" panose="020B0604020202020204" pitchFamily="34" charset="0"/>
+              <a:buChar char="•"/>
+              <a:defRPr sz="2400" kern="1200">
+                <a:solidFill>
+                  <a:schemeClr val="tx1"/>
+                </a:solidFill>
+                <a:latin typeface="+mn-lt"/>
+                <a:ea typeface="+mn-ea"/>
+                <a:cs typeface="+mn-cs"/>
+              </a:defRPr>
+            </a:lvl2pPr>
+            <a:lvl3pPr marL="1143000" indent="-228600" algn="l" defTabSz="914400" rtl="0" eaLnBrk="1" latinLnBrk="0" hangingPunct="1">
+              <a:lnSpc>
+                <a:spcPct val="90000"/>
+              </a:lnSpc>
+              <a:spcBef>
+                <a:spcPts val="500"/>
+              </a:spcBef>
+              <a:buFont typeface="Arial" panose="020B0604020202020204" pitchFamily="34" charset="0"/>
+              <a:buChar char="•"/>
+              <a:defRPr sz="2000" kern="1200">
+                <a:solidFill>
+                  <a:schemeClr val="tx1"/>
+                </a:solidFill>
+                <a:latin typeface="+mn-lt"/>
+                <a:ea typeface="+mn-ea"/>
+                <a:cs typeface="+mn-cs"/>
+              </a:defRPr>
+            </a:lvl3pPr>
+            <a:lvl4pPr marL="1600200" indent="-228600" algn="l" defTabSz="914400" rtl="0" eaLnBrk="1" latinLnBrk="0" hangingPunct="1">
+              <a:lnSpc>
+                <a:spcPct val="90000"/>
+              </a:lnSpc>
+              <a:spcBef>
+                <a:spcPts val="500"/>
+              </a:spcBef>
+              <a:buFont typeface="Arial" panose="020B0604020202020204" pitchFamily="34" charset="0"/>
+              <a:buChar char="•"/>
+              <a:defRPr sz="1800" kern="1200">
+                <a:solidFill>
+                  <a:schemeClr val="tx1"/>
+                </a:solidFill>
+                <a:latin typeface="+mn-lt"/>
+                <a:ea typeface="+mn-ea"/>
+                <a:cs typeface="+mn-cs"/>
+              </a:defRPr>
+            </a:lvl4pPr>
+            <a:lvl5pPr marL="2057400" indent="-228600" algn="l" defTabSz="914400" rtl="0" eaLnBrk="1" latinLnBrk="0" hangingPunct="1">
+              <a:lnSpc>
+                <a:spcPct val="90000"/>
+              </a:lnSpc>
+              <a:spcBef>
+                <a:spcPts val="500"/>
+              </a:spcBef>
+              <a:buFont typeface="Arial" panose="020B0604020202020204" pitchFamily="34" charset="0"/>
+              <a:buChar char="•"/>
+              <a:defRPr sz="1800" kern="1200">
+                <a:solidFill>
+                  <a:schemeClr val="tx1"/>
+                </a:solidFill>
+                <a:latin typeface="+mn-lt"/>
+                <a:ea typeface="+mn-ea"/>
+                <a:cs typeface="+mn-cs"/>
+              </a:defRPr>
+            </a:lvl5pPr>
+            <a:lvl6pPr marL="2514600" indent="-228600" algn="l" defTabSz="914400" rtl="0" eaLnBrk="1" latinLnBrk="0" hangingPunct="1">
+              <a:lnSpc>
+                <a:spcPct val="90000"/>
+              </a:lnSpc>
+              <a:spcBef>
+                <a:spcPts val="500"/>
+              </a:spcBef>
+              <a:buFont typeface="Arial" panose="020B0604020202020204" pitchFamily="34" charset="0"/>
+              <a:buChar char="•"/>
+              <a:defRPr sz="1800" kern="1200">
+                <a:solidFill>
+                  <a:schemeClr val="tx1"/>
+                </a:solidFill>
+                <a:latin typeface="+mn-lt"/>
+                <a:ea typeface="+mn-ea"/>
+                <a:cs typeface="+mn-cs"/>
+              </a:defRPr>
+            </a:lvl6pPr>
+            <a:lvl7pPr marL="2971800" indent="-228600" algn="l" defTabSz="914400" rtl="0" eaLnBrk="1" latinLnBrk="0" hangingPunct="1">
+              <a:lnSpc>
+                <a:spcPct val="90000"/>
+              </a:lnSpc>
+              <a:spcBef>
+                <a:spcPts val="500"/>
+              </a:spcBef>
+              <a:buFont typeface="Arial" panose="020B0604020202020204" pitchFamily="34" charset="0"/>
+              <a:buChar char="•"/>
+              <a:defRPr sz="1800" kern="1200">
+                <a:solidFill>
+                  <a:schemeClr val="tx1"/>
+                </a:solidFill>
+                <a:latin typeface="+mn-lt"/>
+                <a:ea typeface="+mn-ea"/>
+                <a:cs typeface="+mn-cs"/>
+              </a:defRPr>
+            </a:lvl7pPr>
+            <a:lvl8pPr marL="3429000" indent="-228600" algn="l" defTabSz="914400" rtl="0" eaLnBrk="1" latinLnBrk="0" hangingPunct="1">
+              <a:lnSpc>
+                <a:spcPct val="90000"/>
+              </a:lnSpc>
+              <a:spcBef>
+                <a:spcPts val="500"/>
+              </a:spcBef>
+              <a:buFont typeface="Arial" panose="020B0604020202020204" pitchFamily="34" charset="0"/>
+              <a:buChar char="•"/>
+              <a:defRPr sz="1800" kern="1200">
+                <a:solidFill>
+                  <a:schemeClr val="tx1"/>
+                </a:solidFill>
+                <a:latin typeface="+mn-lt"/>
+                <a:ea typeface="+mn-ea"/>
+                <a:cs typeface="+mn-cs"/>
+              </a:defRPr>
+            </a:lvl8pPr>
+            <a:lvl9pPr marL="3886200" indent="-228600" algn="l" defTabSz="914400" rtl="0" eaLnBrk="1" latinLnBrk="0" hangingPunct="1">
+              <a:lnSpc>
+                <a:spcPct val="90000"/>
+              </a:lnSpc>
+              <a:spcBef>
+                <a:spcPts val="500"/>
+              </a:spcBef>
+              <a:buFont typeface="Arial" panose="020B0604020202020204" pitchFamily="34" charset="0"/>
+              <a:buChar char="•"/>
+              <a:defRPr sz="1800" kern="1200">
+                <a:solidFill>
+                  <a:schemeClr val="tx1"/>
+                </a:solidFill>
+                <a:latin typeface="+mn-lt"/>
+                <a:ea typeface="+mn-ea"/>
+                <a:cs typeface="+mn-cs"/>
+              </a:defRPr>
+            </a:lvl9pPr>
+          </a:lstStyle>
+          <a:p>
+            <a:r>
+              <a:rPr lang="en-US" dirty="0"/>
+              <a:t>In this study they used the data set of CIC.</a:t>
+            </a:r>
+          </a:p>
+          <a:p>
+            <a:r>
+              <a:rPr lang="en-US" dirty="0"/>
+              <a:t>In the model they used the O-DT algorithm and, also used AdaBoost to give a different weight to each sample in their data.</a:t>
+            </a:r>
+          </a:p>
+          <a:p>
+            <a:r>
+              <a:rPr lang="en-US" dirty="0"/>
+              <a:t>Finally, they presented a table that compares their results compared to other models they used</a:t>
+            </a:r>
+            <a:r>
+              <a:rPr lang="he-IL" dirty="0"/>
+              <a:t>:</a:t>
+            </a:r>
+            <a:endParaRPr lang="en-US" dirty="0"/>
+          </a:p>
+          <a:p>
+            <a:endParaRPr lang="en-US" dirty="0"/>
+          </a:p>
+          <a:p>
+            <a:endParaRPr lang="en-US" dirty="0"/>
+          </a:p>
+          <a:p>
+            <a:endParaRPr lang="en-US" dirty="0"/>
+          </a:p>
+          <a:p>
+            <a:pPr marL="0" indent="0">
+              <a:buNone/>
+            </a:pPr>
+            <a:endParaRPr lang="en-US" dirty="0"/>
+          </a:p>
+          <a:p>
+            <a:pPr marL="0" indent="0">
+              <a:buNone/>
+            </a:pPr>
+            <a:endParaRPr lang="en-US" dirty="0"/>
+          </a:p>
+          <a:p>
+            <a:r>
+              <a:rPr lang="en-US" sz="1800" dirty="0">
+                <a:hlinkClick r:id="rId3"/>
+              </a:rPr>
+              <a:t>https://www.preprints.org/manuscript/202209.0103/v1/download</a:t>
+            </a:r>
+            <a:br>
+              <a:rPr lang="en-US" sz="1800" dirty="0"/>
+            </a:br>
+            <a:br>
+              <a:rPr lang="en-US" sz="1200" dirty="0"/>
+            </a:br>
+            <a:endParaRPr lang="en-US" sz="1800" dirty="0"/>
+          </a:p>
+        </p:txBody>
+      </p:sp>
+    </p:spTree>
+    <p:extLst>
+      <p:ext uri="{BB962C8B-B14F-4D97-AF65-F5344CB8AC3E}">
+        <p14:creationId xmlns:p14="http://schemas.microsoft.com/office/powerpoint/2010/main" val="74098386"/>
+      </p:ext>
+    </p:extLst>
+  </p:cSld>
+  <p:clrMapOvr>
+    <a:masterClrMapping/>
+  </p:clrMapOvr>
+</p:sld>
+</file>
+
+<file path=ppt/slides/slide16.xml><?xml version="1.0" encoding="utf-8"?>
+<p:sld xmlns:a="http://schemas.openxmlformats.org/drawingml/2006/main" xmlns:r="http://schemas.openxmlformats.org/officeDocument/2006/relationships" xmlns:p="http://schemas.openxmlformats.org/presentationml/2006/main">
+  <p:cSld>
+    <p:spTree>
+      <p:nvGrpSpPr>
+        <p:cNvPr id="1" name=""/>
+        <p:cNvGrpSpPr/>
+        <p:nvPr/>
+      </p:nvGrpSpPr>
+      <p:grpSpPr>
+        <a:xfrm>
+          <a:off x="0" y="0"/>
+          <a:ext cx="0" cy="0"/>
+          <a:chOff x="0" y="0"/>
+          <a:chExt cx="0" cy="0"/>
+        </a:xfrm>
+      </p:grpSpPr>
+      <p:sp>
+        <p:nvSpPr>
+          <p:cNvPr id="2" name="Title 1">
+            <a:extLst>
+              <a:ext uri="{FF2B5EF4-FFF2-40B4-BE49-F238E27FC236}">
+                <a16:creationId xmlns:a16="http://schemas.microsoft.com/office/drawing/2014/main" id="{5C841878-47A7-535C-D519-7CB0A3B4B679}"/>
+              </a:ext>
+            </a:extLst>
+          </p:cNvPr>
+          <p:cNvSpPr>
+            <a:spLocks noGrp="1"/>
+          </p:cNvSpPr>
+          <p:nvPr>
+            <p:ph type="title"/>
+          </p:nvPr>
+        </p:nvSpPr>
+        <p:spPr>
+          <a:xfrm>
+            <a:off x="2197100" y="2336800"/>
+            <a:ext cx="7797800" cy="1325563"/>
+          </a:xfrm>
+        </p:spPr>
+        <p:txBody>
+          <a:bodyPr>
+            <a:noAutofit/>
+          </a:bodyPr>
+          <a:lstStyle/>
+          <a:p>
+            <a:pPr algn="l"/>
+            <a:r>
+              <a:rPr lang="en-US" i="0" dirty="0">
+                <a:solidFill>
+                  <a:srgbClr val="000000"/>
+                </a:solidFill>
+                <a:effectLst/>
+              </a:rPr>
+              <a:t>At the next page you can see a s</a:t>
+            </a:r>
+            <a:r>
+              <a:rPr lang="en-US" dirty="0"/>
+              <a:t>ummary of reviewed related research, we used some of them to write our project</a:t>
+            </a:r>
+            <a:endParaRPr lang="en-US" i="0" dirty="0">
+              <a:solidFill>
+                <a:srgbClr val="000000"/>
+              </a:solidFill>
+              <a:effectLst/>
+            </a:endParaRPr>
+          </a:p>
+        </p:txBody>
+      </p:sp>
+    </p:spTree>
+    <p:extLst>
+      <p:ext uri="{BB962C8B-B14F-4D97-AF65-F5344CB8AC3E}">
+        <p14:creationId xmlns:p14="http://schemas.microsoft.com/office/powerpoint/2010/main" val="1089193838"/>
+      </p:ext>
+    </p:extLst>
+  </p:cSld>
+  <p:clrMapOvr>
+    <a:masterClrMapping/>
+  </p:clrMapOvr>
+</p:sld>
+</file>
+
+<file path=ppt/slides/slide17.xml><?xml version="1.0" encoding="utf-8"?>
+<p:sld xmlns:a="http://schemas.openxmlformats.org/drawingml/2006/main" xmlns:r="http://schemas.openxmlformats.org/officeDocument/2006/relationships" xmlns:p="http://schemas.openxmlformats.org/presentationml/2006/main">
+  <p:cSld>
+    <p:spTree>
+      <p:nvGrpSpPr>
+        <p:cNvPr id="1" name=""/>
+        <p:cNvGrpSpPr/>
+        <p:nvPr/>
+      </p:nvGrpSpPr>
+      <p:grpSpPr>
+        <a:xfrm>
+          <a:off x="0" y="0"/>
+          <a:ext cx="0" cy="0"/>
+          <a:chOff x="0" y="0"/>
+          <a:chExt cx="0" cy="0"/>
+        </a:xfrm>
+      </p:grpSpPr>
+      <p:pic>
+        <p:nvPicPr>
+          <p:cNvPr id="4" name="תמונה 3">
+            <a:extLst>
+              <a:ext uri="{FF2B5EF4-FFF2-40B4-BE49-F238E27FC236}">
+                <a16:creationId xmlns:a16="http://schemas.microsoft.com/office/drawing/2014/main" id="{2DC30550-B3CF-6B9B-F9A9-810F2B6D7985}"/>
+              </a:ext>
+            </a:extLst>
+          </p:cNvPr>
+          <p:cNvPicPr>
+            <a:picLocks noChangeAspect="1"/>
+          </p:cNvPicPr>
+          <p:nvPr/>
+        </p:nvPicPr>
+        <p:blipFill>
+          <a:blip r:embed="rId2">
+            <a:extLst>
+              <a:ext uri="{28A0092B-C50C-407E-A947-70E740481C1C}">
+                <a14:useLocalDpi xmlns:a14="http://schemas.microsoft.com/office/drawing/2010/main" val="0"/>
+              </a:ext>
+            </a:extLst>
+          </a:blip>
+          <a:stretch>
+            <a:fillRect/>
+          </a:stretch>
+        </p:blipFill>
+        <p:spPr>
+          <a:xfrm>
+            <a:off x="-1588" y="0"/>
+            <a:ext cx="12193588" cy="7051041"/>
+          </a:xfrm>
+          <a:prstGeom prst="rect">
+            <a:avLst/>
+          </a:prstGeom>
+        </p:spPr>
+      </p:pic>
+    </p:spTree>
+    <p:extLst>
+      <p:ext uri="{BB962C8B-B14F-4D97-AF65-F5344CB8AC3E}">
+        <p14:creationId xmlns:p14="http://schemas.microsoft.com/office/powerpoint/2010/main" val="906973701"/>
+      </p:ext>
+    </p:extLst>
+  </p:cSld>
+  <p:clrMapOvr>
+    <a:masterClrMapping/>
+  </p:clrMapOvr>
+</p:sld>
+</file>
+
+<file path=ppt/slides/slide18.xml><?xml version="1.0" encoding="utf-8"?>
+<p:sld xmlns:a="http://schemas.openxmlformats.org/drawingml/2006/main" xmlns:r="http://schemas.openxmlformats.org/officeDocument/2006/relationships" xmlns:p="http://schemas.openxmlformats.org/presentationml/2006/main">
+  <p:cSld>
+    <p:spTree>
+      <p:nvGrpSpPr>
+        <p:cNvPr id="1" name=""/>
+        <p:cNvGrpSpPr/>
+        <p:nvPr/>
+      </p:nvGrpSpPr>
+      <p:grpSpPr>
+        <a:xfrm>
+          <a:off x="0" y="0"/>
+          <a:ext cx="0" cy="0"/>
+          <a:chOff x="0" y="0"/>
+          <a:chExt cx="0" cy="0"/>
+        </a:xfrm>
+      </p:grpSpPr>
+      <p:sp>
+        <p:nvSpPr>
+          <p:cNvPr id="2" name="Title 1">
+            <a:extLst>
+              <a:ext uri="{FF2B5EF4-FFF2-40B4-BE49-F238E27FC236}">
                 <a16:creationId xmlns:a16="http://schemas.microsoft.com/office/drawing/2014/main" id="{48F92FBE-5F9A-61A9-B2EA-ABD72717E2E9}"/>
               </a:ext>
             </a:extLst>
@@ -8109,7 +8866,7 @@
           <a:p>
             <a:r>
               <a:rPr lang="en-US" dirty="0"/>
-              <a:t>Discussion – Open Questions &amp; Future Work</a:t>
+              <a:t>Discussion – Algorithms</a:t>
             </a:r>
             <a:endParaRPr lang="en-IL" dirty="0"/>
           </a:p>
@@ -8131,14 +8888,192 @@
             <p:ph idx="1"/>
           </p:nvPr>
         </p:nvSpPr>
-        <p:spPr/>
+        <p:spPr>
+          <a:xfrm>
+            <a:off x="645160" y="1835785"/>
+            <a:ext cx="10515600" cy="4351338"/>
+          </a:xfrm>
+        </p:spPr>
+        <p:txBody>
+          <a:bodyPr>
+            <a:normAutofit fontScale="92500"/>
+          </a:bodyPr>
+          <a:lstStyle/>
+          <a:p>
+            <a:r>
+              <a:rPr lang="en-US" dirty="0"/>
+              <a:t>After researching the topic, and going over related works,</a:t>
+            </a:r>
+            <a:br>
+              <a:rPr lang="en-US" dirty="0"/>
+            </a:br>
+            <a:r>
+              <a:rPr lang="en-US" dirty="0"/>
+              <a:t>we took tips from some of the projects such as:</a:t>
+            </a:r>
+          </a:p>
+          <a:p>
+            <a:r>
+              <a:rPr lang="en-US" dirty="0"/>
+              <a:t> choosing Random Forest as an algorithm for the model.</a:t>
+            </a:r>
+          </a:p>
+          <a:p>
+            <a:r>
+              <a:rPr lang="en-US" dirty="0"/>
+              <a:t>Use of external libraries for analyzing and extracting features such as Pdfid. </a:t>
+            </a:r>
+          </a:p>
+          <a:p>
+            <a:r>
+              <a:rPr lang="en-US" dirty="0"/>
+              <a:t>In addition, we decided to add our approach:</a:t>
+            </a:r>
+          </a:p>
+          <a:p>
+            <a:r>
+              <a:rPr lang="en-US" dirty="0"/>
+              <a:t>We took an existing and recommended data set and dirty it as we explained earlier. </a:t>
+            </a:r>
+          </a:p>
+          <a:p>
+            <a:r>
+              <a:rPr lang="en-US" dirty="0"/>
+              <a:t>moreover, in our approach, the model searches in one file for all the three types of attacks that we discussed, while in other works that we used, we saw that each model searches for only one attack.</a:t>
+            </a:r>
+            <a:endParaRPr lang="en-IL" dirty="0"/>
+          </a:p>
+        </p:txBody>
+      </p:sp>
+    </p:spTree>
+    <p:extLst>
+      <p:ext uri="{BB962C8B-B14F-4D97-AF65-F5344CB8AC3E}">
+        <p14:creationId xmlns:p14="http://schemas.microsoft.com/office/powerpoint/2010/main" val="203945432"/>
+      </p:ext>
+    </p:extLst>
+  </p:cSld>
+  <p:clrMapOvr>
+    <a:masterClrMapping/>
+  </p:clrMapOvr>
+</p:sld>
+</file>
+
+<file path=ppt/slides/slide19.xml><?xml version="1.0" encoding="utf-8"?>
+<p:sld xmlns:a="http://schemas.openxmlformats.org/drawingml/2006/main" xmlns:r="http://schemas.openxmlformats.org/officeDocument/2006/relationships" xmlns:p="http://schemas.openxmlformats.org/presentationml/2006/main">
+  <p:cSld>
+    <p:spTree>
+      <p:nvGrpSpPr>
+        <p:cNvPr id="1" name=""/>
+        <p:cNvGrpSpPr/>
+        <p:nvPr/>
+      </p:nvGrpSpPr>
+      <p:grpSpPr>
+        <a:xfrm>
+          <a:off x="0" y="0"/>
+          <a:ext cx="0" cy="0"/>
+          <a:chOff x="0" y="0"/>
+          <a:chExt cx="0" cy="0"/>
+        </a:xfrm>
+      </p:grpSpPr>
+      <p:sp>
+        <p:nvSpPr>
+          <p:cNvPr id="2" name="Title 1">
+            <a:extLst>
+              <a:ext uri="{FF2B5EF4-FFF2-40B4-BE49-F238E27FC236}">
+                <a16:creationId xmlns:a16="http://schemas.microsoft.com/office/drawing/2014/main" id="{48F92FBE-5F9A-61A9-B2EA-ABD72717E2E9}"/>
+              </a:ext>
+            </a:extLst>
+          </p:cNvPr>
+          <p:cNvSpPr>
+            <a:spLocks noGrp="1"/>
+          </p:cNvSpPr>
+          <p:nvPr>
+            <p:ph type="title"/>
+          </p:nvPr>
+        </p:nvSpPr>
+        <p:spPr>
+          <a:xfrm>
+            <a:off x="838200" y="121920"/>
+            <a:ext cx="10515600" cy="1325563"/>
+          </a:xfrm>
+        </p:spPr>
         <p:txBody>
           <a:bodyPr/>
           <a:lstStyle/>
           <a:p>
             <a:r>
               <a:rPr lang="en-US" dirty="0"/>
-              <a:t>word2vec</a:t>
+              <a:t>Discussion – Future Work</a:t>
+            </a:r>
+            <a:endParaRPr lang="en-IL" dirty="0"/>
+          </a:p>
+        </p:txBody>
+      </p:sp>
+      <p:sp>
+        <p:nvSpPr>
+          <p:cNvPr id="3" name="Content Placeholder 2">
+            <a:extLst>
+              <a:ext uri="{FF2B5EF4-FFF2-40B4-BE49-F238E27FC236}">
+                <a16:creationId xmlns:a16="http://schemas.microsoft.com/office/drawing/2014/main" id="{BDF399E2-085D-D3B4-577B-45FC2D859120}"/>
+              </a:ext>
+            </a:extLst>
+          </p:cNvPr>
+          <p:cNvSpPr>
+            <a:spLocks noGrp="1"/>
+          </p:cNvSpPr>
+          <p:nvPr>
+            <p:ph idx="1"/>
+          </p:nvPr>
+        </p:nvSpPr>
+        <p:spPr>
+          <a:xfrm>
+            <a:off x="838200" y="1430656"/>
+            <a:ext cx="10515600" cy="4351338"/>
+          </a:xfrm>
+        </p:spPr>
+        <p:txBody>
+          <a:bodyPr/>
+          <a:lstStyle/>
+          <a:p>
+            <a:r>
+              <a:rPr lang="en-US" dirty="0"/>
+              <a:t>Word2vec:</a:t>
+            </a:r>
+          </a:p>
+          <a:p>
+            <a:pPr marL="0" indent="0">
+              <a:buNone/>
+            </a:pPr>
+            <a:r>
+              <a:rPr lang="en-US" dirty="0"/>
+              <a:t>Another improvement that in retrospect we could add to our project:</a:t>
+            </a:r>
+          </a:p>
+          <a:p>
+            <a:pPr marL="0" indent="0">
+              <a:buNone/>
+            </a:pPr>
+            <a:r>
+              <a:rPr lang="en-US" dirty="0"/>
+              <a:t>Using word2vec to extract embedding and add it to our feature vector</a:t>
+            </a:r>
+          </a:p>
+          <a:p>
+            <a:pPr marL="0" indent="0">
+              <a:buNone/>
+            </a:pPr>
+            <a:r>
+              <a:rPr lang="en-US" dirty="0"/>
+              <a:t>Word2vec is a natural language processing (NLP) technique published in 2013. The word2vec algorithm uses a neural network model to learn word associations from a large corpus of text.</a:t>
+            </a:r>
+          </a:p>
+          <a:p>
+            <a:pPr marL="0" indent="0">
+              <a:buNone/>
+            </a:pPr>
+            <a:r>
+              <a:rPr lang="en-US" dirty="0"/>
+              <a:t>The use of this technique could bring new value in terms of features that we have not seen in previous works as well as improve ours.</a:t>
             </a:r>
           </a:p>
         </p:txBody>
@@ -8172,8 +9107,8 @@
         </p:blipFill>
         <p:spPr bwMode="auto">
           <a:xfrm>
-            <a:off x="9606977" y="4923044"/>
-            <a:ext cx="2173219" cy="1569831"/>
+            <a:off x="9871185" y="5323840"/>
+            <a:ext cx="1955056" cy="1412240"/>
           </a:xfrm>
           <a:prstGeom prst="rect">
             <a:avLst/>

--- a/pre-research/Pdf_malware_detection.pptx
+++ b/pre-research/Pdf_malware_detection.pptx
@@ -13,17 +13,18 @@
     <p:sldId id="258" r:id="rId7"/>
     <p:sldId id="260" r:id="rId8"/>
     <p:sldId id="276" r:id="rId9"/>
-    <p:sldId id="277" r:id="rId10"/>
-    <p:sldId id="278" r:id="rId11"/>
-    <p:sldId id="266" r:id="rId12"/>
-    <p:sldId id="279" r:id="rId13"/>
-    <p:sldId id="281" r:id="rId14"/>
-    <p:sldId id="280" r:id="rId15"/>
-    <p:sldId id="264" r:id="rId16"/>
-    <p:sldId id="283" r:id="rId17"/>
-    <p:sldId id="282" r:id="rId18"/>
-    <p:sldId id="271" r:id="rId19"/>
-    <p:sldId id="267" r:id="rId20"/>
+    <p:sldId id="284" r:id="rId10"/>
+    <p:sldId id="277" r:id="rId11"/>
+    <p:sldId id="278" r:id="rId12"/>
+    <p:sldId id="266" r:id="rId13"/>
+    <p:sldId id="279" r:id="rId14"/>
+    <p:sldId id="281" r:id="rId15"/>
+    <p:sldId id="280" r:id="rId16"/>
+    <p:sldId id="264" r:id="rId17"/>
+    <p:sldId id="283" r:id="rId18"/>
+    <p:sldId id="282" r:id="rId19"/>
+    <p:sldId id="271" r:id="rId20"/>
+    <p:sldId id="267" r:id="rId21"/>
   </p:sldIdLst>
   <p:sldSz cx="12192000" cy="6858000"/>
   <p:notesSz cx="6858000" cy="9144000"/>
@@ -3284,7 +3285,7 @@
           <a:p>
             <a:fld id="{A7DA6DA2-865B-4014-AEFA-C316A63C6A60}" type="datetimeFigureOut">
               <a:rPr lang="en-IL" smtClean="0"/>
-              <a:t>02/21/2023</a:t>
+              <a:t>02/22/2023</a:t>
             </a:fld>
             <a:endParaRPr lang="en-IL"/>
           </a:p>
@@ -3484,7 +3485,7 @@
           <a:p>
             <a:fld id="{A7DA6DA2-865B-4014-AEFA-C316A63C6A60}" type="datetimeFigureOut">
               <a:rPr lang="en-IL" smtClean="0"/>
-              <a:t>02/21/2023</a:t>
+              <a:t>02/22/2023</a:t>
             </a:fld>
             <a:endParaRPr lang="en-IL"/>
           </a:p>
@@ -3694,7 +3695,7 @@
           <a:p>
             <a:fld id="{A7DA6DA2-865B-4014-AEFA-C316A63C6A60}" type="datetimeFigureOut">
               <a:rPr lang="en-IL" smtClean="0"/>
-              <a:t>02/21/2023</a:t>
+              <a:t>02/22/2023</a:t>
             </a:fld>
             <a:endParaRPr lang="en-IL"/>
           </a:p>
@@ -3894,7 +3895,7 @@
           <a:p>
             <a:fld id="{A7DA6DA2-865B-4014-AEFA-C316A63C6A60}" type="datetimeFigureOut">
               <a:rPr lang="en-IL" smtClean="0"/>
-              <a:t>02/21/2023</a:t>
+              <a:t>02/22/2023</a:t>
             </a:fld>
             <a:endParaRPr lang="en-IL"/>
           </a:p>
@@ -4170,7 +4171,7 @@
           <a:p>
             <a:fld id="{A7DA6DA2-865B-4014-AEFA-C316A63C6A60}" type="datetimeFigureOut">
               <a:rPr lang="en-IL" smtClean="0"/>
-              <a:t>02/21/2023</a:t>
+              <a:t>02/22/2023</a:t>
             </a:fld>
             <a:endParaRPr lang="en-IL"/>
           </a:p>
@@ -4438,7 +4439,7 @@
           <a:p>
             <a:fld id="{A7DA6DA2-865B-4014-AEFA-C316A63C6A60}" type="datetimeFigureOut">
               <a:rPr lang="en-IL" smtClean="0"/>
-              <a:t>02/21/2023</a:t>
+              <a:t>02/22/2023</a:t>
             </a:fld>
             <a:endParaRPr lang="en-IL"/>
           </a:p>
@@ -4853,7 +4854,7 @@
           <a:p>
             <a:fld id="{A7DA6DA2-865B-4014-AEFA-C316A63C6A60}" type="datetimeFigureOut">
               <a:rPr lang="en-IL" smtClean="0"/>
-              <a:t>02/21/2023</a:t>
+              <a:t>02/22/2023</a:t>
             </a:fld>
             <a:endParaRPr lang="en-IL"/>
           </a:p>
@@ -4995,7 +4996,7 @@
           <a:p>
             <a:fld id="{A7DA6DA2-865B-4014-AEFA-C316A63C6A60}" type="datetimeFigureOut">
               <a:rPr lang="en-IL" smtClean="0"/>
-              <a:t>02/21/2023</a:t>
+              <a:t>02/22/2023</a:t>
             </a:fld>
             <a:endParaRPr lang="en-IL"/>
           </a:p>
@@ -5108,7 +5109,7 @@
           <a:p>
             <a:fld id="{A7DA6DA2-865B-4014-AEFA-C316A63C6A60}" type="datetimeFigureOut">
               <a:rPr lang="en-IL" smtClean="0"/>
-              <a:t>02/21/2023</a:t>
+              <a:t>02/22/2023</a:t>
             </a:fld>
             <a:endParaRPr lang="en-IL"/>
           </a:p>
@@ -5421,7 +5422,7 @@
           <a:p>
             <a:fld id="{A7DA6DA2-865B-4014-AEFA-C316A63C6A60}" type="datetimeFigureOut">
               <a:rPr lang="en-IL" smtClean="0"/>
-              <a:t>02/21/2023</a:t>
+              <a:t>02/22/2023</a:t>
             </a:fld>
             <a:endParaRPr lang="en-IL"/>
           </a:p>
@@ -5710,7 +5711,7 @@
           <a:p>
             <a:fld id="{A7DA6DA2-865B-4014-AEFA-C316A63C6A60}" type="datetimeFigureOut">
               <a:rPr lang="en-IL" smtClean="0"/>
-              <a:t>02/21/2023</a:t>
+              <a:t>02/22/2023</a:t>
             </a:fld>
             <a:endParaRPr lang="en-IL"/>
           </a:p>
@@ -5953,7 +5954,7 @@
           <a:p>
             <a:fld id="{A7DA6DA2-865B-4014-AEFA-C316A63C6A60}" type="datetimeFigureOut">
               <a:rPr lang="en-IL" smtClean="0"/>
-              <a:t>02/21/2023</a:t>
+              <a:t>02/22/2023</a:t>
             </a:fld>
             <a:endParaRPr lang="en-IL"/>
           </a:p>
@@ -7600,6 +7601,239 @@
           <p:cNvPr id="2" name="כותרת 1">
             <a:extLst>
               <a:ext uri="{FF2B5EF4-FFF2-40B4-BE49-F238E27FC236}">
+                <a16:creationId xmlns:a16="http://schemas.microsoft.com/office/drawing/2014/main" id="{CFD607C6-DE6F-A688-B38F-E5A98FA94041}"/>
+              </a:ext>
+            </a:extLst>
+          </p:cNvPr>
+          <p:cNvSpPr>
+            <a:spLocks noGrp="1"/>
+          </p:cNvSpPr>
+          <p:nvPr>
+            <p:ph type="title"/>
+          </p:nvPr>
+        </p:nvSpPr>
+        <p:spPr>
+          <a:xfrm>
+            <a:off x="756920" y="304800"/>
+            <a:ext cx="10515600" cy="1325563"/>
+          </a:xfrm>
+        </p:spPr>
+        <p:txBody>
+          <a:bodyPr/>
+          <a:lstStyle/>
+          <a:p>
+            <a:r>
+              <a:rPr lang="en-US" dirty="0"/>
+              <a:t>Feature Extraction:</a:t>
+            </a:r>
+            <a:endParaRPr lang="he-IL" dirty="0"/>
+          </a:p>
+        </p:txBody>
+      </p:sp>
+      <p:sp>
+        <p:nvSpPr>
+          <p:cNvPr id="3" name="מציין מיקום תוכן 2">
+            <a:extLst>
+              <a:ext uri="{FF2B5EF4-FFF2-40B4-BE49-F238E27FC236}">
+                <a16:creationId xmlns:a16="http://schemas.microsoft.com/office/drawing/2014/main" id="{59137355-647F-2B83-7E79-5C6C728E080E}"/>
+              </a:ext>
+            </a:extLst>
+          </p:cNvPr>
+          <p:cNvSpPr>
+            <a:spLocks noGrp="1"/>
+          </p:cNvSpPr>
+          <p:nvPr>
+            <p:ph idx="1"/>
+          </p:nvPr>
+        </p:nvSpPr>
+        <p:spPr>
+          <a:xfrm>
+            <a:off x="523240" y="1937385"/>
+            <a:ext cx="10515600" cy="4351338"/>
+          </a:xfrm>
+        </p:spPr>
+        <p:txBody>
+          <a:bodyPr/>
+          <a:lstStyle/>
+          <a:p>
+            <a:r>
+              <a:rPr lang="en-US" dirty="0"/>
+              <a:t>After data exploration and further processing of the information we decided to build a final vector that contains 30 characteristics.</a:t>
+            </a:r>
+          </a:p>
+          <a:p>
+            <a:r>
+              <a:rPr lang="en-US" dirty="0"/>
+              <a:t>Among the characteristics you can find metadata, file size, whether it is encrypted, etc..</a:t>
+            </a:r>
+          </a:p>
+          <a:p>
+            <a:r>
+              <a:rPr lang="en-US" dirty="0"/>
+              <a:t>In addition, there are some that stand out as exceptions for a PDF file, keywords such as: </a:t>
+            </a:r>
+            <a:r>
+              <a:rPr lang="en-US" b="0" i="0" u="none" strike="noStrike" dirty="0">
+                <a:solidFill>
+                  <a:srgbClr val="000000"/>
+                </a:solidFill>
+                <a:effectLst/>
+              </a:rPr>
+              <a:t>JS,</a:t>
+            </a:r>
+            <a:r>
+              <a:rPr lang="en-US" dirty="0"/>
+              <a:t> </a:t>
+            </a:r>
+            <a:r>
+              <a:rPr lang="en-US" b="0" i="0" u="none" strike="noStrike" dirty="0">
+                <a:solidFill>
+                  <a:srgbClr val="000000"/>
+                </a:solidFill>
+                <a:effectLst/>
+              </a:rPr>
+              <a:t>JavaScript,</a:t>
+            </a:r>
+            <a:r>
+              <a:rPr lang="en-US" dirty="0"/>
+              <a:t> </a:t>
+            </a:r>
+            <a:r>
+              <a:rPr lang="en-US" b="0" i="0" u="none" strike="noStrike" dirty="0">
+                <a:solidFill>
+                  <a:srgbClr val="000000"/>
+                </a:solidFill>
+                <a:effectLst/>
+              </a:rPr>
+              <a:t>AA,</a:t>
+            </a:r>
+            <a:r>
+              <a:rPr lang="en-US" dirty="0"/>
+              <a:t> </a:t>
+            </a:r>
+            <a:r>
+              <a:rPr lang="en-US" b="0" i="0" u="none" strike="noStrike" dirty="0">
+                <a:solidFill>
+                  <a:srgbClr val="000000"/>
+                </a:solidFill>
+                <a:effectLst/>
+              </a:rPr>
+              <a:t>OpenAction,</a:t>
+            </a:r>
+            <a:r>
+              <a:rPr lang="en-US" dirty="0"/>
+              <a:t> </a:t>
+            </a:r>
+            <a:r>
+              <a:rPr lang="en-US" b="0" i="0" u="none" strike="noStrike" dirty="0">
+                <a:solidFill>
+                  <a:srgbClr val="000000"/>
+                </a:solidFill>
+                <a:effectLst/>
+              </a:rPr>
+              <a:t>Acroform,</a:t>
+            </a:r>
+            <a:r>
+              <a:rPr lang="en-US" dirty="0"/>
+              <a:t> </a:t>
+            </a:r>
+            <a:r>
+              <a:rPr lang="en-US" b="0" i="0" u="none" strike="noStrike" dirty="0">
+                <a:solidFill>
+                  <a:srgbClr val="000000"/>
+                </a:solidFill>
+                <a:effectLst/>
+              </a:rPr>
+              <a:t>JBIG2Decode,</a:t>
+            </a:r>
+            <a:r>
+              <a:rPr lang="en-US" dirty="0"/>
+              <a:t> </a:t>
+            </a:r>
+            <a:r>
+              <a:rPr lang="en-US" b="0" i="0" u="none" strike="noStrike" dirty="0">
+                <a:solidFill>
+                  <a:srgbClr val="000000"/>
+                </a:solidFill>
+                <a:effectLst/>
+              </a:rPr>
+              <a:t>RichMedia,</a:t>
+            </a:r>
+            <a:r>
+              <a:rPr lang="en-US" dirty="0"/>
+              <a:t> </a:t>
+            </a:r>
+            <a:r>
+              <a:rPr lang="en-US" b="0" i="0" u="none" strike="noStrike" dirty="0">
+                <a:solidFill>
+                  <a:srgbClr val="000000"/>
+                </a:solidFill>
+                <a:effectLst/>
+              </a:rPr>
+              <a:t>launch,</a:t>
+            </a:r>
+            <a:r>
+              <a:rPr lang="en-US" dirty="0"/>
+              <a:t> </a:t>
+            </a:r>
+            <a:r>
+              <a:rPr lang="en-US" b="0" i="0" u="none" strike="noStrike" dirty="0">
+                <a:solidFill>
+                  <a:srgbClr val="000000"/>
+                </a:solidFill>
+                <a:effectLst/>
+              </a:rPr>
+              <a:t>EmbeddedFile</a:t>
+            </a:r>
+            <a:r>
+              <a:rPr lang="en-US" dirty="0"/>
+              <a:t> etc..</a:t>
+            </a:r>
+          </a:p>
+          <a:p>
+            <a:r>
+              <a:rPr lang="en-US" dirty="0"/>
+              <a:t>These keywords, if found in the file, will turn on a red light about the innocence of the file.</a:t>
+            </a:r>
+            <a:endParaRPr lang="he-IL" dirty="0"/>
+          </a:p>
+        </p:txBody>
+      </p:sp>
+    </p:spTree>
+    <p:extLst>
+      <p:ext uri="{BB962C8B-B14F-4D97-AF65-F5344CB8AC3E}">
+        <p14:creationId xmlns:p14="http://schemas.microsoft.com/office/powerpoint/2010/main" val="3496829430"/>
+      </p:ext>
+    </p:extLst>
+  </p:cSld>
+  <p:clrMapOvr>
+    <a:masterClrMapping/>
+  </p:clrMapOvr>
+</p:sld>
+</file>
+
+<file path=ppt/slides/slide11.xml><?xml version="1.0" encoding="utf-8"?>
+<p:sld xmlns:a="http://schemas.openxmlformats.org/drawingml/2006/main" xmlns:r="http://schemas.openxmlformats.org/officeDocument/2006/relationships" xmlns:p="http://schemas.openxmlformats.org/presentationml/2006/main">
+  <p:cSld>
+    <p:spTree>
+      <p:nvGrpSpPr>
+        <p:cNvPr id="1" name=""/>
+        <p:cNvGrpSpPr/>
+        <p:nvPr/>
+      </p:nvGrpSpPr>
+      <p:grpSpPr>
+        <a:xfrm>
+          <a:off x="0" y="0"/>
+          <a:ext cx="0" cy="0"/>
+          <a:chOff x="0" y="0"/>
+          <a:chExt cx="0" cy="0"/>
+        </a:xfrm>
+      </p:grpSpPr>
+      <p:sp>
+        <p:nvSpPr>
+          <p:cNvPr id="2" name="כותרת 1">
+            <a:extLst>
+              <a:ext uri="{FF2B5EF4-FFF2-40B4-BE49-F238E27FC236}">
                 <a16:creationId xmlns:a16="http://schemas.microsoft.com/office/drawing/2014/main" id="{50943563-B47D-9717-C896-ADC234ADAC84}"/>
               </a:ext>
             </a:extLst>
@@ -7731,7 +7965,7 @@
 </p:sld>
 </file>
 
-<file path=ppt/slides/slide11.xml><?xml version="1.0" encoding="utf-8"?>
+<file path=ppt/slides/slide12.xml><?xml version="1.0" encoding="utf-8"?>
 <p:sld xmlns:a="http://schemas.openxmlformats.org/drawingml/2006/main" xmlns:r="http://schemas.openxmlformats.org/officeDocument/2006/relationships" xmlns:p="http://schemas.openxmlformats.org/presentationml/2006/main">
   <p:cSld>
     <p:spTree>
@@ -7867,7 +8101,7 @@
 </p:sld>
 </file>
 
-<file path=ppt/slides/slide12.xml><?xml version="1.0" encoding="utf-8"?>
+<file path=ppt/slides/slide13.xml><?xml version="1.0" encoding="utf-8"?>
 <p:sld xmlns:a="http://schemas.openxmlformats.org/drawingml/2006/main" xmlns:r="http://schemas.openxmlformats.org/officeDocument/2006/relationships" xmlns:p="http://schemas.openxmlformats.org/presentationml/2006/main">
   <p:cSld>
     <p:spTree>
@@ -7931,7 +8165,7 @@
 </p:sld>
 </file>
 
-<file path=ppt/slides/slide13.xml><?xml version="1.0" encoding="utf-8"?>
+<file path=ppt/slides/slide14.xml><?xml version="1.0" encoding="utf-8"?>
 <p:sld xmlns:a="http://schemas.openxmlformats.org/drawingml/2006/main" xmlns:r="http://schemas.openxmlformats.org/officeDocument/2006/relationships" xmlns:p="http://schemas.openxmlformats.org/presentationml/2006/main">
   <p:cSld>
     <p:spTree>
@@ -8129,7 +8363,7 @@
 </p:sld>
 </file>
 
-<file path=ppt/slides/slide14.xml><?xml version="1.0" encoding="utf-8"?>
+<file path=ppt/slides/slide15.xml><?xml version="1.0" encoding="utf-8"?>
 <p:sld xmlns:a="http://schemas.openxmlformats.org/drawingml/2006/main" xmlns:r="http://schemas.openxmlformats.org/officeDocument/2006/relationships" xmlns:p="http://schemas.openxmlformats.org/presentationml/2006/main">
   <p:cSld>
     <p:spTree>
@@ -8286,7 +8520,7 @@
 </p:sld>
 </file>
 
-<file path=ppt/slides/slide15.xml><?xml version="1.0" encoding="utf-8"?>
+<file path=ppt/slides/slide16.xml><?xml version="1.0" encoding="utf-8"?>
 <p:sld xmlns:a="http://schemas.openxmlformats.org/drawingml/2006/main" xmlns:r="http://schemas.openxmlformats.org/officeDocument/2006/relationships" xmlns:p="http://schemas.openxmlformats.org/presentationml/2006/main">
   <p:cSld>
     <p:spTree>
@@ -8679,7 +8913,7 @@
 </p:sld>
 </file>
 
-<file path=ppt/slides/slide16.xml><?xml version="1.0" encoding="utf-8"?>
+<file path=ppt/slides/slide17.xml><?xml version="1.0" encoding="utf-8"?>
 <p:sld xmlns:a="http://schemas.openxmlformats.org/drawingml/2006/main" xmlns:r="http://schemas.openxmlformats.org/officeDocument/2006/relationships" xmlns:p="http://schemas.openxmlformats.org/presentationml/2006/main">
   <p:cSld>
     <p:spTree>
@@ -8751,72 +8985,6 @@
     <p:extLst>
       <p:ext uri="{BB962C8B-B14F-4D97-AF65-F5344CB8AC3E}">
         <p14:creationId xmlns:p14="http://schemas.microsoft.com/office/powerpoint/2010/main" val="1089193838"/>
-      </p:ext>
-    </p:extLst>
-  </p:cSld>
-  <p:clrMapOvr>
-    <a:masterClrMapping/>
-  </p:clrMapOvr>
-</p:sld>
-</file>
-
-<file path=ppt/slides/slide17.xml><?xml version="1.0" encoding="utf-8"?>
-<p:sld xmlns:a="http://schemas.openxmlformats.org/drawingml/2006/main" xmlns:r="http://schemas.openxmlformats.org/officeDocument/2006/relationships" xmlns:p="http://schemas.openxmlformats.org/presentationml/2006/main">
-  <p:cSld>
-    <p:spTree>
-      <p:nvGrpSpPr>
-        <p:cNvPr id="1" name=""/>
-        <p:cNvGrpSpPr/>
-        <p:nvPr/>
-      </p:nvGrpSpPr>
-      <p:grpSpPr>
-        <a:xfrm>
-          <a:off x="0" y="0"/>
-          <a:ext cx="0" cy="0"/>
-          <a:chOff x="0" y="0"/>
-          <a:chExt cx="0" cy="0"/>
-        </a:xfrm>
-      </p:grpSpPr>
-      <p:pic>
-        <p:nvPicPr>
-          <p:cNvPr id="4" name="תמונה 3">
-            <a:extLst>
-              <a:ext uri="{FF2B5EF4-FFF2-40B4-BE49-F238E27FC236}">
-                <a16:creationId xmlns:a16="http://schemas.microsoft.com/office/drawing/2014/main" id="{2DC30550-B3CF-6B9B-F9A9-810F2B6D7985}"/>
-              </a:ext>
-            </a:extLst>
-          </p:cNvPr>
-          <p:cNvPicPr>
-            <a:picLocks noChangeAspect="1"/>
-          </p:cNvPicPr>
-          <p:nvPr/>
-        </p:nvPicPr>
-        <p:blipFill>
-          <a:blip r:embed="rId2">
-            <a:extLst>
-              <a:ext uri="{28A0092B-C50C-407E-A947-70E740481C1C}">
-                <a14:useLocalDpi xmlns:a14="http://schemas.microsoft.com/office/drawing/2010/main" val="0"/>
-              </a:ext>
-            </a:extLst>
-          </a:blip>
-          <a:stretch>
-            <a:fillRect/>
-          </a:stretch>
-        </p:blipFill>
-        <p:spPr>
-          <a:xfrm>
-            <a:off x="-1588" y="0"/>
-            <a:ext cx="12193588" cy="7051041"/>
-          </a:xfrm>
-          <a:prstGeom prst="rect">
-            <a:avLst/>
-          </a:prstGeom>
-        </p:spPr>
-      </p:pic>
-    </p:spTree>
-    <p:extLst>
-      <p:ext uri="{BB962C8B-B14F-4D97-AF65-F5344CB8AC3E}">
-        <p14:creationId xmlns:p14="http://schemas.microsoft.com/office/powerpoint/2010/main" val="906973701"/>
       </p:ext>
     </p:extLst>
   </p:cSld>
@@ -8843,112 +9011,46 @@
           <a:chExt cx="0" cy="0"/>
         </a:xfrm>
       </p:grpSpPr>
-      <p:sp>
-        <p:nvSpPr>
-          <p:cNvPr id="2" name="Title 1">
-            <a:extLst>
-              <a:ext uri="{FF2B5EF4-FFF2-40B4-BE49-F238E27FC236}">
-                <a16:creationId xmlns:a16="http://schemas.microsoft.com/office/drawing/2014/main" id="{48F92FBE-5F9A-61A9-B2EA-ABD72717E2E9}"/>
-              </a:ext>
-            </a:extLst>
-          </p:cNvPr>
-          <p:cNvSpPr>
-            <a:spLocks noGrp="1"/>
-          </p:cNvSpPr>
-          <p:nvPr>
-            <p:ph type="title"/>
-          </p:nvPr>
-        </p:nvSpPr>
-        <p:spPr/>
-        <p:txBody>
-          <a:bodyPr/>
-          <a:lstStyle/>
-          <a:p>
-            <a:r>
-              <a:rPr lang="en-US" dirty="0"/>
-              <a:t>Discussion – Algorithms</a:t>
-            </a:r>
-            <a:endParaRPr lang="en-IL" dirty="0"/>
-          </a:p>
-        </p:txBody>
-      </p:sp>
-      <p:sp>
-        <p:nvSpPr>
-          <p:cNvPr id="3" name="Content Placeholder 2">
-            <a:extLst>
-              <a:ext uri="{FF2B5EF4-FFF2-40B4-BE49-F238E27FC236}">
-                <a16:creationId xmlns:a16="http://schemas.microsoft.com/office/drawing/2014/main" id="{BDF399E2-085D-D3B4-577B-45FC2D859120}"/>
-              </a:ext>
-            </a:extLst>
-          </p:cNvPr>
-          <p:cNvSpPr>
-            <a:spLocks noGrp="1"/>
-          </p:cNvSpPr>
-          <p:nvPr>
-            <p:ph idx="1"/>
-          </p:nvPr>
-        </p:nvSpPr>
+      <p:pic>
+        <p:nvPicPr>
+          <p:cNvPr id="4" name="תמונה 3">
+            <a:extLst>
+              <a:ext uri="{FF2B5EF4-FFF2-40B4-BE49-F238E27FC236}">
+                <a16:creationId xmlns:a16="http://schemas.microsoft.com/office/drawing/2014/main" id="{2DC30550-B3CF-6B9B-F9A9-810F2B6D7985}"/>
+              </a:ext>
+            </a:extLst>
+          </p:cNvPr>
+          <p:cNvPicPr>
+            <a:picLocks noChangeAspect="1"/>
+          </p:cNvPicPr>
+          <p:nvPr/>
+        </p:nvPicPr>
+        <p:blipFill>
+          <a:blip r:embed="rId2">
+            <a:extLst>
+              <a:ext uri="{28A0092B-C50C-407E-A947-70E740481C1C}">
+                <a14:useLocalDpi xmlns:a14="http://schemas.microsoft.com/office/drawing/2010/main" val="0"/>
+              </a:ext>
+            </a:extLst>
+          </a:blip>
+          <a:stretch>
+            <a:fillRect/>
+          </a:stretch>
+        </p:blipFill>
         <p:spPr>
           <a:xfrm>
-            <a:off x="645160" y="1835785"/>
-            <a:ext cx="10515600" cy="4351338"/>
+            <a:off x="-1588" y="0"/>
+            <a:ext cx="12193588" cy="7051041"/>
           </a:xfrm>
+          <a:prstGeom prst="rect">
+            <a:avLst/>
+          </a:prstGeom>
         </p:spPr>
-        <p:txBody>
-          <a:bodyPr>
-            <a:normAutofit fontScale="92500"/>
-          </a:bodyPr>
-          <a:lstStyle/>
-          <a:p>
-            <a:r>
-              <a:rPr lang="en-US" dirty="0"/>
-              <a:t>After researching the topic, and going over related works,</a:t>
-            </a:r>
-            <a:br>
-              <a:rPr lang="en-US" dirty="0"/>
-            </a:br>
-            <a:r>
-              <a:rPr lang="en-US" dirty="0"/>
-              <a:t>we took tips from some of the projects such as:</a:t>
-            </a:r>
-          </a:p>
-          <a:p>
-            <a:r>
-              <a:rPr lang="en-US" dirty="0"/>
-              <a:t> choosing Random Forest as an algorithm for the model.</a:t>
-            </a:r>
-          </a:p>
-          <a:p>
-            <a:r>
-              <a:rPr lang="en-US" dirty="0"/>
-              <a:t>Use of external libraries for analyzing and extracting features such as Pdfid. </a:t>
-            </a:r>
-          </a:p>
-          <a:p>
-            <a:r>
-              <a:rPr lang="en-US" dirty="0"/>
-              <a:t>In addition, we decided to add our approach:</a:t>
-            </a:r>
-          </a:p>
-          <a:p>
-            <a:r>
-              <a:rPr lang="en-US" dirty="0"/>
-              <a:t>We took an existing and recommended data set and dirty it as we explained earlier. </a:t>
-            </a:r>
-          </a:p>
-          <a:p>
-            <a:r>
-              <a:rPr lang="en-US" dirty="0"/>
-              <a:t>moreover, in our approach, the model searches in one file for all the three types of attacks that we discussed, while in other works that we used, we saw that each model searches for only one attack.</a:t>
-            </a:r>
-            <a:endParaRPr lang="en-IL" dirty="0"/>
-          </a:p>
-        </p:txBody>
-      </p:sp>
+      </p:pic>
     </p:spTree>
     <p:extLst>
       <p:ext uri="{BB962C8B-B14F-4D97-AF65-F5344CB8AC3E}">
-        <p14:creationId xmlns:p14="http://schemas.microsoft.com/office/powerpoint/2010/main" val="203945432"/>
+        <p14:creationId xmlns:p14="http://schemas.microsoft.com/office/powerpoint/2010/main" val="906973701"/>
       </p:ext>
     </p:extLst>
   </p:cSld>
@@ -8993,8 +9095,8 @@
         </p:nvSpPr>
         <p:spPr>
           <a:xfrm>
-            <a:off x="838200" y="121920"/>
-            <a:ext cx="10515600" cy="1325563"/>
+            <a:off x="645160" y="30480"/>
+            <a:ext cx="10515600" cy="1169035"/>
           </a:xfrm>
         </p:spPr>
         <p:txBody>
@@ -9003,7 +9105,7 @@
           <a:p>
             <a:r>
               <a:rPr lang="en-US" dirty="0"/>
-              <a:t>Discussion – Future Work</a:t>
+              <a:t>Discussion – Algorithms</a:t>
             </a:r>
             <a:endParaRPr lang="en-IL" dirty="0"/>
           </a:p>
@@ -9027,108 +9129,73 @@
         </p:nvSpPr>
         <p:spPr>
           <a:xfrm>
-            <a:off x="838200" y="1430656"/>
-            <a:ext cx="10515600" cy="4351338"/>
+            <a:off x="645160" y="1087120"/>
+            <a:ext cx="10515600" cy="5232083"/>
           </a:xfrm>
         </p:spPr>
         <p:txBody>
-          <a:bodyPr/>
+          <a:bodyPr>
+            <a:normAutofit fontScale="92500" lnSpcReduction="10000"/>
+          </a:bodyPr>
           <a:lstStyle/>
           <a:p>
             <a:r>
               <a:rPr lang="en-US" dirty="0"/>
-              <a:t>Word2vec:</a:t>
-            </a:r>
-          </a:p>
-          <a:p>
-            <a:pPr marL="0" indent="0">
-              <a:buNone/>
-            </a:pPr>
-            <a:r>
+              <a:t>After researching the topic, and going over related works,</a:t>
+            </a:r>
+            <a:br>
               <a:rPr lang="en-US" dirty="0"/>
-              <a:t>Another improvement that in retrospect we could add to our project:</a:t>
-            </a:r>
-          </a:p>
-          <a:p>
-            <a:pPr marL="0" indent="0">
-              <a:buNone/>
-            </a:pPr>
+            </a:br>
             <a:r>
               <a:rPr lang="en-US" dirty="0"/>
-              <a:t>Using word2vec to extract embedding and add it to our feature vector</a:t>
-            </a:r>
-          </a:p>
-          <a:p>
-            <a:pPr marL="0" indent="0">
-              <a:buNone/>
-            </a:pPr>
+              <a:t>we took tips from some of the projects such as:</a:t>
+            </a:r>
+          </a:p>
+          <a:p>
             <a:r>
               <a:rPr lang="en-US" dirty="0"/>
-              <a:t>Word2vec is a natural language processing (NLP) technique published in 2013. The word2vec algorithm uses a neural network model to learn word associations from a large corpus of text.</a:t>
-            </a:r>
-          </a:p>
-          <a:p>
-            <a:pPr marL="0" indent="0">
-              <a:buNone/>
-            </a:pPr>
+              <a:t> choosing Random Forest as an algorithm for the model.</a:t>
+            </a:r>
+          </a:p>
+          <a:p>
             <a:r>
               <a:rPr lang="en-US" dirty="0"/>
-              <a:t>The use of this technique could bring new value in terms of features that we have not seen in previous works as well as improve ours.</a:t>
-            </a:r>
+              <a:t>Use of external libraries for analyzing and extracting features such as Pdfid. </a:t>
+            </a:r>
+          </a:p>
+          <a:p>
+            <a:r>
+              <a:rPr lang="en-US" dirty="0"/>
+              <a:t>In addition, we decided to add our approach:</a:t>
+            </a:r>
+          </a:p>
+          <a:p>
+            <a:r>
+              <a:rPr lang="en-US" dirty="0"/>
+              <a:t>We took an existing and recommended data set and dirty it as we explained earlier. </a:t>
+            </a:r>
+          </a:p>
+          <a:p>
+            <a:r>
+              <a:rPr lang="en-US" dirty="0"/>
+              <a:t>Moreover, in our approach, the model searches in one file for all the three types of attacks that we discussed, while in other works that we used, we saw that each model searches for only one attack.</a:t>
+            </a:r>
+          </a:p>
+          <a:p>
+            <a:r>
+              <a:rPr lang="en-US" dirty="0"/>
+              <a:t>Furthermore, we decided to give more weight for some of the features (like JS, Embedded File, etc..) by oversampling, in order to be sure, they have a big influence on the model.</a:t>
+            </a:r>
+          </a:p>
+          <a:p>
+            <a:endParaRPr lang="en-IL" dirty="0"/>
           </a:p>
         </p:txBody>
       </p:sp>
-      <p:pic>
-        <p:nvPicPr>
-          <p:cNvPr id="2050" name="Picture 2" descr="Look to the future">
-            <a:extLst>
-              <a:ext uri="{FF2B5EF4-FFF2-40B4-BE49-F238E27FC236}">
-                <a16:creationId xmlns:a16="http://schemas.microsoft.com/office/drawing/2014/main" id="{D9CF25A0-CF05-5B70-8590-6991A72E7056}"/>
-              </a:ext>
-            </a:extLst>
-          </p:cNvPr>
-          <p:cNvPicPr>
-            <a:picLocks noChangeAspect="1" noChangeArrowheads="1"/>
-          </p:cNvPicPr>
-          <p:nvPr/>
-        </p:nvPicPr>
-        <p:blipFill>
-          <a:blip r:embed="rId2">
-            <a:extLst>
-              <a:ext uri="{28A0092B-C50C-407E-A947-70E740481C1C}">
-                <a14:useLocalDpi xmlns:a14="http://schemas.microsoft.com/office/drawing/2010/main" val="0"/>
-              </a:ext>
-            </a:extLst>
-          </a:blip>
-          <a:srcRect/>
-          <a:stretch>
-            <a:fillRect/>
-          </a:stretch>
-        </p:blipFill>
-        <p:spPr bwMode="auto">
-          <a:xfrm>
-            <a:off x="9871185" y="5323840"/>
-            <a:ext cx="1955056" cy="1412240"/>
-          </a:xfrm>
-          <a:prstGeom prst="rect">
-            <a:avLst/>
-          </a:prstGeom>
-          <a:noFill/>
-          <a:extLst>
-            <a:ext uri="{909E8E84-426E-40DD-AFC4-6F175D3DCCD1}">
-              <a14:hiddenFill xmlns:a14="http://schemas.microsoft.com/office/drawing/2010/main">
-                <a:solidFill>
-                  <a:srgbClr val="FFFFFF"/>
-                </a:solidFill>
-              </a14:hiddenFill>
-            </a:ext>
-          </a:extLst>
-        </p:spPr>
-      </p:pic>
     </p:spTree>
     <p:extLst>
       <p:ext uri="{BB962C8B-B14F-4D97-AF65-F5344CB8AC3E}">
-        <p14:creationId xmlns:p14="http://schemas.microsoft.com/office/powerpoint/2010/main" val="2733760312"/>
+        <p14:creationId xmlns:p14="http://schemas.microsoft.com/office/powerpoint/2010/main" val="203945432"/>
       </p:ext>
     </p:extLst>
   </p:cSld>
@@ -9507,6 +9574,186 @@
 </p:sld>
 </file>
 
+<file path=ppt/slides/slide20.xml><?xml version="1.0" encoding="utf-8"?>
+<p:sld xmlns:a="http://schemas.openxmlformats.org/drawingml/2006/main" xmlns:r="http://schemas.openxmlformats.org/officeDocument/2006/relationships" xmlns:p="http://schemas.openxmlformats.org/presentationml/2006/main">
+  <p:cSld>
+    <p:spTree>
+      <p:nvGrpSpPr>
+        <p:cNvPr id="1" name=""/>
+        <p:cNvGrpSpPr/>
+        <p:nvPr/>
+      </p:nvGrpSpPr>
+      <p:grpSpPr>
+        <a:xfrm>
+          <a:off x="0" y="0"/>
+          <a:ext cx="0" cy="0"/>
+          <a:chOff x="0" y="0"/>
+          <a:chExt cx="0" cy="0"/>
+        </a:xfrm>
+      </p:grpSpPr>
+      <p:sp>
+        <p:nvSpPr>
+          <p:cNvPr id="2" name="Title 1">
+            <a:extLst>
+              <a:ext uri="{FF2B5EF4-FFF2-40B4-BE49-F238E27FC236}">
+                <a16:creationId xmlns:a16="http://schemas.microsoft.com/office/drawing/2014/main" id="{48F92FBE-5F9A-61A9-B2EA-ABD72717E2E9}"/>
+              </a:ext>
+            </a:extLst>
+          </p:cNvPr>
+          <p:cNvSpPr>
+            <a:spLocks noGrp="1"/>
+          </p:cNvSpPr>
+          <p:nvPr>
+            <p:ph type="title"/>
+          </p:nvPr>
+        </p:nvSpPr>
+        <p:spPr>
+          <a:xfrm>
+            <a:off x="838200" y="121920"/>
+            <a:ext cx="10515600" cy="1325563"/>
+          </a:xfrm>
+        </p:spPr>
+        <p:txBody>
+          <a:bodyPr/>
+          <a:lstStyle/>
+          <a:p>
+            <a:r>
+              <a:rPr lang="en-US" dirty="0"/>
+              <a:t>Discussion – Future Work</a:t>
+            </a:r>
+            <a:endParaRPr lang="en-IL" dirty="0"/>
+          </a:p>
+        </p:txBody>
+      </p:sp>
+      <p:sp>
+        <p:nvSpPr>
+          <p:cNvPr id="3" name="Content Placeholder 2">
+            <a:extLst>
+              <a:ext uri="{FF2B5EF4-FFF2-40B4-BE49-F238E27FC236}">
+                <a16:creationId xmlns:a16="http://schemas.microsoft.com/office/drawing/2014/main" id="{BDF399E2-085D-D3B4-577B-45FC2D859120}"/>
+              </a:ext>
+            </a:extLst>
+          </p:cNvPr>
+          <p:cNvSpPr>
+            <a:spLocks noGrp="1"/>
+          </p:cNvSpPr>
+          <p:nvPr>
+            <p:ph idx="1"/>
+          </p:nvPr>
+        </p:nvSpPr>
+        <p:spPr>
+          <a:xfrm>
+            <a:off x="838200" y="1430656"/>
+            <a:ext cx="10515600" cy="4351338"/>
+          </a:xfrm>
+        </p:spPr>
+        <p:txBody>
+          <a:bodyPr/>
+          <a:lstStyle/>
+          <a:p>
+            <a:r>
+              <a:rPr lang="en-US" dirty="0"/>
+              <a:t>Word2vec:</a:t>
+            </a:r>
+          </a:p>
+          <a:p>
+            <a:pPr marL="0" indent="0">
+              <a:buNone/>
+            </a:pPr>
+            <a:r>
+              <a:rPr lang="en-US" dirty="0"/>
+              <a:t>Another improvement that in retrospect we could add to our project:</a:t>
+            </a:r>
+          </a:p>
+          <a:p>
+            <a:pPr marL="0" indent="0">
+              <a:buNone/>
+            </a:pPr>
+            <a:r>
+              <a:rPr lang="en-US" dirty="0"/>
+              <a:t>Using word2vec to extract embedding and add it to our feature vector</a:t>
+            </a:r>
+          </a:p>
+          <a:p>
+            <a:pPr marL="0" indent="0">
+              <a:buNone/>
+            </a:pPr>
+            <a:r>
+              <a:rPr lang="en-US" dirty="0"/>
+              <a:t>Word2vec is a natural language processing (NLP) technique published in 2013. The word2vec algorithm uses a neural network model to learn word associations from a large corpus of text.</a:t>
+            </a:r>
+          </a:p>
+          <a:p>
+            <a:pPr marL="0" indent="0">
+              <a:buNone/>
+            </a:pPr>
+            <a:r>
+              <a:rPr lang="en-US" dirty="0"/>
+              <a:t>The use of this technique could bring new value in terms of features that we have not seen in previous works as well as improve ours.</a:t>
+            </a:r>
+          </a:p>
+        </p:txBody>
+      </p:sp>
+      <p:pic>
+        <p:nvPicPr>
+          <p:cNvPr id="2050" name="Picture 2" descr="Look to the future">
+            <a:extLst>
+              <a:ext uri="{FF2B5EF4-FFF2-40B4-BE49-F238E27FC236}">
+                <a16:creationId xmlns:a16="http://schemas.microsoft.com/office/drawing/2014/main" id="{D9CF25A0-CF05-5B70-8590-6991A72E7056}"/>
+              </a:ext>
+            </a:extLst>
+          </p:cNvPr>
+          <p:cNvPicPr>
+            <a:picLocks noChangeAspect="1" noChangeArrowheads="1"/>
+          </p:cNvPicPr>
+          <p:nvPr/>
+        </p:nvPicPr>
+        <p:blipFill>
+          <a:blip r:embed="rId2">
+            <a:extLst>
+              <a:ext uri="{28A0092B-C50C-407E-A947-70E740481C1C}">
+                <a14:useLocalDpi xmlns:a14="http://schemas.microsoft.com/office/drawing/2010/main" val="0"/>
+              </a:ext>
+            </a:extLst>
+          </a:blip>
+          <a:srcRect/>
+          <a:stretch>
+            <a:fillRect/>
+          </a:stretch>
+        </p:blipFill>
+        <p:spPr bwMode="auto">
+          <a:xfrm>
+            <a:off x="9871185" y="5323840"/>
+            <a:ext cx="1955056" cy="1412240"/>
+          </a:xfrm>
+          <a:prstGeom prst="rect">
+            <a:avLst/>
+          </a:prstGeom>
+          <a:noFill/>
+          <a:extLst>
+            <a:ext uri="{909E8E84-426E-40DD-AFC4-6F175D3DCCD1}">
+              <a14:hiddenFill xmlns:a14="http://schemas.microsoft.com/office/drawing/2010/main">
+                <a:solidFill>
+                  <a:srgbClr val="FFFFFF"/>
+                </a:solidFill>
+              </a14:hiddenFill>
+            </a:ext>
+          </a:extLst>
+        </p:spPr>
+      </p:pic>
+    </p:spTree>
+    <p:extLst>
+      <p:ext uri="{BB962C8B-B14F-4D97-AF65-F5344CB8AC3E}">
+        <p14:creationId xmlns:p14="http://schemas.microsoft.com/office/powerpoint/2010/main" val="2733760312"/>
+      </p:ext>
+    </p:extLst>
+  </p:cSld>
+  <p:clrMapOvr>
+    <a:masterClrMapping/>
+  </p:clrMapOvr>
+</p:sld>
+</file>
+
 <file path=ppt/slides/slide3.xml><?xml version="1.0" encoding="utf-8"?>
 <p:sld xmlns:a="http://schemas.openxmlformats.org/drawingml/2006/main" xmlns:r="http://schemas.openxmlformats.org/officeDocument/2006/relationships" xmlns:p="http://schemas.openxmlformats.org/presentationml/2006/main">
   <p:cSld>
@@ -9791,7 +10038,7 @@
                   <a:srgbClr val="101013"/>
                 </a:solidFill>
               </a:rPr>
-              <a:t>Whenever we want to discover new vulnerabilities in software, we should first understand the protocol or file format in which we’re trying to discover new vulnerabilities. In our case, we should first understand the PDF file format in detail.</a:t>
+              <a:t>When ever we want to discover new vulnerabilities in software, we should first understand the protocol or file format in which we’re trying to discover new vulnerabilities. In our case, we should first understand the PDF file format in detail.</a:t>
             </a:r>
           </a:p>
           <a:p>
@@ -10750,7 +10997,7 @@
           <p:cNvPr id="2" name="כותרת 1">
             <a:extLst>
               <a:ext uri="{FF2B5EF4-FFF2-40B4-BE49-F238E27FC236}">
-                <a16:creationId xmlns:a16="http://schemas.microsoft.com/office/drawing/2014/main" id="{CFD607C6-DE6F-A688-B38F-E5A98FA94041}"/>
+                <a16:creationId xmlns:a16="http://schemas.microsoft.com/office/drawing/2014/main" id="{09E9F16A-8AFD-47AB-FE1F-70AF2077E98E}"/>
               </a:ext>
             </a:extLst>
           </p:cNvPr>
@@ -10763,7 +11010,7 @@
         </p:nvSpPr>
         <p:spPr>
           <a:xfrm>
-            <a:off x="756920" y="304800"/>
+            <a:off x="924560" y="329557"/>
             <a:ext cx="10515600" cy="1325563"/>
           </a:xfrm>
         </p:spPr>
@@ -10773,185 +11020,76 @@
           <a:p>
             <a:r>
               <a:rPr lang="en-US" dirty="0"/>
-              <a:t>Feature Extraction:</a:t>
+              <a:t>Data Exploration:</a:t>
             </a:r>
             <a:endParaRPr lang="he-IL" dirty="0"/>
           </a:p>
         </p:txBody>
       </p:sp>
-      <p:sp>
-        <p:nvSpPr>
-          <p:cNvPr id="3" name="מציין מיקום תוכן 2">
-            <a:extLst>
-              <a:ext uri="{FF2B5EF4-FFF2-40B4-BE49-F238E27FC236}">
-                <a16:creationId xmlns:a16="http://schemas.microsoft.com/office/drawing/2014/main" id="{59137355-647F-2B83-7E79-5C6C728E080E}"/>
-              </a:ext>
-            </a:extLst>
-          </p:cNvPr>
-          <p:cNvSpPr>
-            <a:spLocks noGrp="1"/>
-          </p:cNvSpPr>
-          <p:nvPr>
-            <p:ph idx="1"/>
-          </p:nvPr>
-        </p:nvSpPr>
+      <p:pic>
+        <p:nvPicPr>
+          <p:cNvPr id="5" name="תמונה 4">
+            <a:extLst>
+              <a:ext uri="{FF2B5EF4-FFF2-40B4-BE49-F238E27FC236}">
+                <a16:creationId xmlns:a16="http://schemas.microsoft.com/office/drawing/2014/main" id="{612B204D-A7DF-1D3A-BEBB-054C8373A2F6}"/>
+              </a:ext>
+            </a:extLst>
+          </p:cNvPr>
+          <p:cNvPicPr>
+            <a:picLocks noChangeAspect="1"/>
+          </p:cNvPicPr>
+          <p:nvPr/>
+        </p:nvPicPr>
+        <p:blipFill>
+          <a:blip r:embed="rId2"/>
+          <a:stretch>
+            <a:fillRect/>
+          </a:stretch>
+        </p:blipFill>
         <p:spPr>
           <a:xfrm>
-            <a:off x="523240" y="1937385"/>
-            <a:ext cx="10515600" cy="4351338"/>
+            <a:off x="142240" y="1838656"/>
+            <a:ext cx="11384748" cy="5019344"/>
           </a:xfrm>
+          <a:prstGeom prst="rect">
+            <a:avLst/>
+          </a:prstGeom>
         </p:spPr>
-        <p:txBody>
-          <a:bodyPr/>
-          <a:lstStyle/>
-          <a:p>
-            <a:r>
-              <a:rPr lang="en-US" dirty="0"/>
-              <a:t>After data exploration and further processing of the information we decided to build a final vector that contains 30 characteristics.</a:t>
-            </a:r>
-          </a:p>
-          <a:p>
-            <a:r>
-              <a:rPr lang="en-US" dirty="0"/>
-              <a:t>Among the characteristics you can find metadata, file size, whether it is encrypted, etc..</a:t>
-            </a:r>
-          </a:p>
-          <a:p>
-            <a:r>
-              <a:rPr lang="en-US" dirty="0"/>
-              <a:t>In addition, there are some that stand out as exceptions for a PDF file, keywords such as: </a:t>
-            </a:r>
-            <a:r>
-              <a:rPr lang="en-US" b="0" i="0" u="none" strike="noStrike" dirty="0">
-                <a:solidFill>
-                  <a:srgbClr val="000000"/>
-                </a:solidFill>
-                <a:effectLst/>
-              </a:rPr>
-              <a:t>JS,</a:t>
-            </a:r>
-            <a:r>
-              <a:rPr lang="en-US" dirty="0"/>
-              <a:t> </a:t>
-            </a:r>
-            <a:r>
-              <a:rPr lang="en-US" b="0" i="0" u="none" strike="noStrike" dirty="0">
-                <a:solidFill>
-                  <a:srgbClr val="000000"/>
-                </a:solidFill>
-                <a:effectLst/>
-              </a:rPr>
-              <a:t>JavaScript,</a:t>
-            </a:r>
-            <a:r>
-              <a:rPr lang="en-US" dirty="0"/>
-              <a:t> </a:t>
-            </a:r>
-            <a:r>
-              <a:rPr lang="en-US" b="0" i="0" u="none" strike="noStrike" dirty="0">
-                <a:solidFill>
-                  <a:srgbClr val="000000"/>
-                </a:solidFill>
-                <a:effectLst/>
-              </a:rPr>
-              <a:t>AA,</a:t>
-            </a:r>
-            <a:r>
-              <a:rPr lang="en-US" dirty="0"/>
-              <a:t> </a:t>
-            </a:r>
-            <a:r>
-              <a:rPr lang="en-US" b="0" i="0" u="none" strike="noStrike" dirty="0">
-                <a:solidFill>
-                  <a:srgbClr val="000000"/>
-                </a:solidFill>
-                <a:effectLst/>
-              </a:rPr>
-              <a:t>OpenAction,</a:t>
-            </a:r>
-            <a:r>
-              <a:rPr lang="en-US" dirty="0"/>
-              <a:t> </a:t>
-            </a:r>
-            <a:r>
-              <a:rPr lang="en-US" b="0" i="0" u="none" strike="noStrike" dirty="0">
-                <a:solidFill>
-                  <a:srgbClr val="000000"/>
-                </a:solidFill>
-                <a:effectLst/>
-              </a:rPr>
-              <a:t>Acroform,</a:t>
-            </a:r>
-            <a:r>
-              <a:rPr lang="en-US" dirty="0"/>
-              <a:t> </a:t>
-            </a:r>
-            <a:r>
-              <a:rPr lang="en-US" b="0" i="0" u="none" strike="noStrike" dirty="0">
-                <a:solidFill>
-                  <a:srgbClr val="000000"/>
-                </a:solidFill>
-                <a:effectLst/>
-              </a:rPr>
-              <a:t>JBIG2Decode,</a:t>
-            </a:r>
-            <a:r>
-              <a:rPr lang="en-US" dirty="0"/>
-              <a:t> </a:t>
-            </a:r>
-            <a:r>
-              <a:rPr lang="en-US" b="0" i="0" u="none" strike="noStrike" dirty="0">
-                <a:solidFill>
-                  <a:srgbClr val="000000"/>
-                </a:solidFill>
-                <a:effectLst/>
-              </a:rPr>
-              <a:t>RichMedia,</a:t>
-            </a:r>
-            <a:r>
-              <a:rPr lang="en-US" dirty="0"/>
-              <a:t> </a:t>
-            </a:r>
-            <a:r>
-              <a:rPr lang="en-US" b="0" i="0" u="none" strike="noStrike" dirty="0">
-                <a:solidFill>
-                  <a:srgbClr val="000000"/>
-                </a:solidFill>
-                <a:effectLst/>
-              </a:rPr>
-              <a:t>launch,</a:t>
-            </a:r>
-            <a:r>
-              <a:rPr lang="en-US" dirty="0"/>
-              <a:t> </a:t>
-            </a:r>
-            <a:r>
-              <a:rPr lang="en-US" b="0" i="0" u="none" strike="noStrike" dirty="0">
-                <a:solidFill>
-                  <a:srgbClr val="000000"/>
-                </a:solidFill>
-                <a:effectLst/>
-              </a:rPr>
-              <a:t>EmbeddedFile</a:t>
-            </a:r>
-            <a:r>
-              <a:rPr lang="en-US" dirty="0"/>
-              <a:t> etc..</a:t>
-            </a:r>
-          </a:p>
-          <a:p>
-            <a:r>
-              <a:rPr lang="en-US" dirty="0"/>
-              <a:t>These keywords, if found in the file, will turn on a red light about the innocence of the file.</a:t>
-            </a:r>
-            <a:endParaRPr lang="he-IL" dirty="0"/>
-          </a:p>
-        </p:txBody>
-      </p:sp>
+      </p:pic>
+      <p:pic>
+        <p:nvPicPr>
+          <p:cNvPr id="7" name="תמונה 6">
+            <a:extLst>
+              <a:ext uri="{FF2B5EF4-FFF2-40B4-BE49-F238E27FC236}">
+                <a16:creationId xmlns:a16="http://schemas.microsoft.com/office/drawing/2014/main" id="{6F3C6E91-9B80-060F-0433-0C1281EA3F05}"/>
+              </a:ext>
+            </a:extLst>
+          </p:cNvPr>
+          <p:cNvPicPr>
+            <a:picLocks noChangeAspect="1"/>
+          </p:cNvPicPr>
+          <p:nvPr/>
+        </p:nvPicPr>
+        <p:blipFill>
+          <a:blip r:embed="rId3"/>
+          <a:stretch>
+            <a:fillRect/>
+          </a:stretch>
+        </p:blipFill>
+        <p:spPr>
+          <a:xfrm>
+            <a:off x="8289259" y="-274320"/>
+            <a:ext cx="4452554" cy="3858880"/>
+          </a:xfrm>
+          <a:prstGeom prst="rect">
+            <a:avLst/>
+          </a:prstGeom>
+        </p:spPr>
+      </p:pic>
     </p:spTree>
     <p:extLst>
       <p:ext uri="{BB962C8B-B14F-4D97-AF65-F5344CB8AC3E}">
-        <p14:creationId xmlns:p14="http://schemas.microsoft.com/office/powerpoint/2010/main" val="3496829430"/>
+        <p14:creationId xmlns:p14="http://schemas.microsoft.com/office/powerpoint/2010/main" val="4163217959"/>
       </p:ext>
     </p:extLst>
   </p:cSld>
